--- a/module-6/Choosing-a-Microservices-Deployment-Strategy.pptx
+++ b/module-6/Choosing-a-Microservices-Deployment-Strategy.pptx
@@ -249,7 +249,7 @@
           <a:p>
             <a:fld id="{BD6D4E31-DC38-4656-BF0E-E6CCECC6080A}" type="datetimeFigureOut">
               <a:rPr lang="en-US" smtClean="0"/>
-              <a:t>1/4/2022</a:t>
+              <a:t>1/8/2022</a:t>
             </a:fld>
             <a:endParaRPr lang="en-US"/>
           </a:p>
@@ -419,7 +419,7 @@
           <a:p>
             <a:fld id="{BD6D4E31-DC38-4656-BF0E-E6CCECC6080A}" type="datetimeFigureOut">
               <a:rPr lang="en-US" smtClean="0"/>
-              <a:t>1/4/2022</a:t>
+              <a:t>1/8/2022</a:t>
             </a:fld>
             <a:endParaRPr lang="en-US"/>
           </a:p>
@@ -599,7 +599,7 @@
           <a:p>
             <a:fld id="{BD6D4E31-DC38-4656-BF0E-E6CCECC6080A}" type="datetimeFigureOut">
               <a:rPr lang="en-US" smtClean="0"/>
-              <a:t>1/4/2022</a:t>
+              <a:t>1/8/2022</a:t>
             </a:fld>
             <a:endParaRPr lang="en-US"/>
           </a:p>
@@ -769,7 +769,7 @@
           <a:p>
             <a:fld id="{BD6D4E31-DC38-4656-BF0E-E6CCECC6080A}" type="datetimeFigureOut">
               <a:rPr lang="en-US" smtClean="0"/>
-              <a:t>1/4/2022</a:t>
+              <a:t>1/8/2022</a:t>
             </a:fld>
             <a:endParaRPr lang="en-US"/>
           </a:p>
@@ -1015,7 +1015,7 @@
           <a:p>
             <a:fld id="{BD6D4E31-DC38-4656-BF0E-E6CCECC6080A}" type="datetimeFigureOut">
               <a:rPr lang="en-US" smtClean="0"/>
-              <a:t>1/4/2022</a:t>
+              <a:t>1/8/2022</a:t>
             </a:fld>
             <a:endParaRPr lang="en-US"/>
           </a:p>
@@ -1247,7 +1247,7 @@
           <a:p>
             <a:fld id="{BD6D4E31-DC38-4656-BF0E-E6CCECC6080A}" type="datetimeFigureOut">
               <a:rPr lang="en-US" smtClean="0"/>
-              <a:t>1/4/2022</a:t>
+              <a:t>1/8/2022</a:t>
             </a:fld>
             <a:endParaRPr lang="en-US"/>
           </a:p>
@@ -1614,7 +1614,7 @@
           <a:p>
             <a:fld id="{BD6D4E31-DC38-4656-BF0E-E6CCECC6080A}" type="datetimeFigureOut">
               <a:rPr lang="en-US" smtClean="0"/>
-              <a:t>1/4/2022</a:t>
+              <a:t>1/8/2022</a:t>
             </a:fld>
             <a:endParaRPr lang="en-US"/>
           </a:p>
@@ -1732,7 +1732,7 @@
           <a:p>
             <a:fld id="{BD6D4E31-DC38-4656-BF0E-E6CCECC6080A}" type="datetimeFigureOut">
               <a:rPr lang="en-US" smtClean="0"/>
-              <a:t>1/4/2022</a:t>
+              <a:t>1/8/2022</a:t>
             </a:fld>
             <a:endParaRPr lang="en-US"/>
           </a:p>
@@ -1827,7 +1827,7 @@
           <a:p>
             <a:fld id="{BD6D4E31-DC38-4656-BF0E-E6CCECC6080A}" type="datetimeFigureOut">
               <a:rPr lang="en-US" smtClean="0"/>
-              <a:t>1/4/2022</a:t>
+              <a:t>1/8/2022</a:t>
             </a:fld>
             <a:endParaRPr lang="en-US"/>
           </a:p>
@@ -2104,7 +2104,7 @@
           <a:p>
             <a:fld id="{BD6D4E31-DC38-4656-BF0E-E6CCECC6080A}" type="datetimeFigureOut">
               <a:rPr lang="en-US" smtClean="0"/>
-              <a:t>1/4/2022</a:t>
+              <a:t>1/8/2022</a:t>
             </a:fld>
             <a:endParaRPr lang="en-US"/>
           </a:p>
@@ -2357,7 +2357,7 @@
           <a:p>
             <a:fld id="{BD6D4E31-DC38-4656-BF0E-E6CCECC6080A}" type="datetimeFigureOut">
               <a:rPr lang="en-US" smtClean="0"/>
-              <a:t>1/4/2022</a:t>
+              <a:t>1/8/2022</a:t>
             </a:fld>
             <a:endParaRPr lang="en-US"/>
           </a:p>
@@ -2570,7 +2570,7 @@
           <a:p>
             <a:fld id="{BD6D4E31-DC38-4656-BF0E-E6CCECC6080A}" type="datetimeFigureOut">
               <a:rPr lang="en-US" smtClean="0"/>
-              <a:t>1/4/2022</a:t>
+              <a:t>1/8/2022</a:t>
             </a:fld>
             <a:endParaRPr lang="en-US"/>
           </a:p>
@@ -3070,9 +3070,84 @@
   <p:timing>
     <p:tnLst>
       <p:par>
-        <p:cTn id="1" dur="indefinite" restart="never" nodeType="tmRoot"/>
+        <p:cTn id="1" dur="indefinite" restart="never" nodeType="tmRoot">
+          <p:childTnLst>
+            <p:seq concurrent="1" nextAc="seek">
+              <p:cTn id="2" dur="indefinite" nodeType="mainSeq">
+                <p:childTnLst>
+                  <p:par>
+                    <p:cTn id="3" fill="hold">
+                      <p:stCondLst>
+                        <p:cond delay="indefinite"/>
+                      </p:stCondLst>
+                      <p:childTnLst>
+                        <p:par>
+                          <p:cTn id="4" fill="hold">
+                            <p:stCondLst>
+                              <p:cond delay="0"/>
+                            </p:stCondLst>
+                            <p:childTnLst>
+                              <p:par>
+                                <p:cTn id="5" presetID="1" presetClass="entr" presetSubtype="0" fill="hold" grpId="0" nodeType="clickEffect">
+                                  <p:stCondLst>
+                                    <p:cond delay="0"/>
+                                  </p:stCondLst>
+                                  <p:childTnLst>
+                                    <p:set>
+                                      <p:cBhvr>
+                                        <p:cTn id="6" dur="1" fill="hold">
+                                          <p:stCondLst>
+                                            <p:cond delay="0"/>
+                                          </p:stCondLst>
+                                        </p:cTn>
+                                        <p:tgtEl>
+                                          <p:spTgt spid="3">
+                                            <p:txEl>
+                                              <p:pRg st="0" end="0"/>
+                                            </p:txEl>
+                                          </p:spTgt>
+                                        </p:tgtEl>
+                                        <p:attrNameLst>
+                                          <p:attrName>style.visibility</p:attrName>
+                                        </p:attrNameLst>
+                                      </p:cBhvr>
+                                      <p:to>
+                                        <p:strVal val="visible"/>
+                                      </p:to>
+                                    </p:set>
+                                  </p:childTnLst>
+                                </p:cTn>
+                              </p:par>
+                            </p:childTnLst>
+                          </p:cTn>
+                        </p:par>
+                      </p:childTnLst>
+                    </p:cTn>
+                  </p:par>
+                </p:childTnLst>
+              </p:cTn>
+              <p:prevCondLst>
+                <p:cond evt="onPrev" delay="0">
+                  <p:tgtEl>
+                    <p:sldTgt/>
+                  </p:tgtEl>
+                </p:cond>
+              </p:prevCondLst>
+              <p:nextCondLst>
+                <p:cond evt="onNext" delay="0">
+                  <p:tgtEl>
+                    <p:sldTgt/>
+                  </p:tgtEl>
+                </p:cond>
+              </p:nextCondLst>
+            </p:seq>
+          </p:childTnLst>
+        </p:cTn>
       </p:par>
     </p:tnLst>
+    <p:bldLst>
+      <p:bldP spid="3" grpId="0" build="p"/>
+    </p:bldLst>
   </p:timing>
 </p:sld>
 </file>
@@ -3182,7 +3257,7 @@
         <p:spPr/>
         <p:txBody>
           <a:bodyPr>
-            <a:normAutofit lnSpcReduction="10000"/>
+            <a:normAutofit fontScale="92500" lnSpcReduction="20000"/>
           </a:bodyPr>
           <a:lstStyle/>
           <a:p>
@@ -3782,8 +3857,32 @@
                 <a:latin typeface="Times New Roman" panose="02020603050405020304" pitchFamily="18" charset="0"/>
                 <a:cs typeface="Times New Roman" panose="02020603050405020304" pitchFamily="18" charset="0"/>
               </a:rPr>
-              <a:t>monitor performance</a:t>
-            </a:r>
+              <a:t>monitor </a:t>
+            </a:r>
+            <a:r>
+              <a:rPr lang="en-US" dirty="0" smtClean="0">
+                <a:latin typeface="Times New Roman" panose="02020603050405020304" pitchFamily="18" charset="0"/>
+                <a:cs typeface="Times New Roman" panose="02020603050405020304" pitchFamily="18" charset="0"/>
+              </a:rPr>
+              <a:t>performance</a:t>
+            </a:r>
+          </a:p>
+          <a:p>
+            <a:pPr>
+              <a:buFontTx/>
+              <a:buChar char="-"/>
+            </a:pPr>
+            <a:r>
+              <a:rPr lang="en-US" dirty="0">
+                <a:latin typeface="Times New Roman" panose="02020603050405020304" pitchFamily="18" charset="0"/>
+                <a:cs typeface="Times New Roman" panose="02020603050405020304" pitchFamily="18" charset="0"/>
+              </a:rPr>
+              <a:t>centralized logging</a:t>
+            </a:r>
+            <a:endParaRPr lang="en-US" dirty="0" smtClean="0">
+              <a:latin typeface="Times New Roman" panose="02020603050405020304" pitchFamily="18" charset="0"/>
+              <a:cs typeface="Times New Roman" panose="02020603050405020304" pitchFamily="18" charset="0"/>
+            </a:endParaRPr>
           </a:p>
           <a:p>
             <a:pPr>
@@ -4301,17 +4400,45 @@
           <a:p>
             <a:pPr lvl="1"/>
             <a:r>
+              <a:rPr lang="en-US" sz="2000" dirty="0" smtClean="0">
+                <a:latin typeface="Times New Roman" panose="02020603050405020304" pitchFamily="18" charset="0"/>
+                <a:cs typeface="Times New Roman" panose="02020603050405020304" pitchFamily="18" charset="0"/>
+              </a:rPr>
+              <a:t>D</a:t>
+            </a:r>
+            <a:r>
               <a:rPr lang="vi-VN" sz="2000" dirty="0" smtClean="0">
                 <a:latin typeface="Times New Roman" panose="02020603050405020304" pitchFamily="18" charset="0"/>
                 <a:cs typeface="Times New Roman" panose="02020603050405020304" pitchFamily="18" charset="0"/>
               </a:rPr>
-              <a:t>distributed tracing (</a:t>
+              <a:t>istributed </a:t>
             </a:r>
             <a:r>
               <a:rPr lang="en-US" sz="2000" dirty="0" smtClean="0">
                 <a:latin typeface="Times New Roman" panose="02020603050405020304" pitchFamily="18" charset="0"/>
                 <a:cs typeface="Times New Roman" panose="02020603050405020304" pitchFamily="18" charset="0"/>
               </a:rPr>
+              <a:t>T</a:t>
+            </a:r>
+            <a:r>
+              <a:rPr lang="vi-VN" sz="2000" dirty="0" smtClean="0">
+                <a:latin typeface="Times New Roman" panose="02020603050405020304" pitchFamily="18" charset="0"/>
+                <a:cs typeface="Times New Roman" panose="02020603050405020304" pitchFamily="18" charset="0"/>
+              </a:rPr>
+              <a:t>racing </a:t>
+            </a:r>
+            <a:r>
+              <a:rPr lang="vi-VN" sz="2000" dirty="0" smtClean="0">
+                <a:latin typeface="Times New Roman" panose="02020603050405020304" pitchFamily="18" charset="0"/>
+                <a:cs typeface="Times New Roman" panose="02020603050405020304" pitchFamily="18" charset="0"/>
+              </a:rPr>
+              <a:t>(</a:t>
+            </a:r>
+            <a:r>
+              <a:rPr lang="en-US" sz="2000" dirty="0" smtClean="0">
+                <a:latin typeface="Times New Roman" panose="02020603050405020304" pitchFamily="18" charset="0"/>
+                <a:cs typeface="Times New Roman" panose="02020603050405020304" pitchFamily="18" charset="0"/>
+              </a:rPr>
               <a:t>trace </a:t>
             </a:r>
             <a:r>
@@ -4392,14 +4519,21 @@
                 <a:latin typeface="Times New Roman" panose="02020603050405020304" pitchFamily="18" charset="0"/>
                 <a:cs typeface="Times New Roman" panose="02020603050405020304" pitchFamily="18" charset="0"/>
               </a:rPr>
-              <a:t>logs</a:t>
+              <a:t>Logs</a:t>
             </a:r>
             <a:r>
               <a:rPr lang="vi-VN" sz="2000" dirty="0" smtClean="0">
                 <a:latin typeface="Times New Roman" panose="02020603050405020304" pitchFamily="18" charset="0"/>
                 <a:cs typeface="Times New Roman" panose="02020603050405020304" pitchFamily="18" charset="0"/>
               </a:rPr>
-              <a:t> (</a:t>
+              <a:t> </a:t>
+            </a:r>
+            <a:r>
+              <a:rPr lang="vi-VN" sz="2000" dirty="0" smtClean="0">
+                <a:latin typeface="Times New Roman" panose="02020603050405020304" pitchFamily="18" charset="0"/>
+                <a:cs typeface="Times New Roman" panose="02020603050405020304" pitchFamily="18" charset="0"/>
+              </a:rPr>
+              <a:t>(</a:t>
             </a:r>
             <a:r>
               <a:rPr lang="en-US" sz="2000" dirty="0" err="1" smtClean="0">
@@ -4541,7 +4675,7 @@
         </p:nvSpPr>
         <p:spPr>
           <a:xfrm flipH="1">
-            <a:off x="10158913" y="6124339"/>
+            <a:off x="10098614" y="4797425"/>
             <a:ext cx="1981467" cy="369332"/>
           </a:xfrm>
           <a:prstGeom prst="rect">
@@ -4588,9 +4722,157 @@
   <p:timing>
     <p:tnLst>
       <p:par>
-        <p:cTn id="1" dur="indefinite" restart="never" nodeType="tmRoot"/>
+        <p:cTn id="1" dur="indefinite" restart="never" nodeType="tmRoot">
+          <p:childTnLst>
+            <p:seq concurrent="1" nextAc="seek">
+              <p:cTn id="2" dur="indefinite" nodeType="mainSeq">
+                <p:childTnLst>
+                  <p:par>
+                    <p:cTn id="3" fill="hold">
+                      <p:stCondLst>
+                        <p:cond delay="indefinite"/>
+                      </p:stCondLst>
+                      <p:childTnLst>
+                        <p:par>
+                          <p:cTn id="4" fill="hold">
+                            <p:stCondLst>
+                              <p:cond delay="0"/>
+                            </p:stCondLst>
+                            <p:childTnLst>
+                              <p:par>
+                                <p:cTn id="5" presetID="31" presetClass="entr" presetSubtype="0" fill="hold" grpId="0" nodeType="clickEffect">
+                                  <p:stCondLst>
+                                    <p:cond delay="0"/>
+                                  </p:stCondLst>
+                                  <p:childTnLst>
+                                    <p:set>
+                                      <p:cBhvr>
+                                        <p:cTn id="6" dur="1" fill="hold">
+                                          <p:stCondLst>
+                                            <p:cond delay="0"/>
+                                          </p:stCondLst>
+                                        </p:cTn>
+                                        <p:tgtEl>
+                                          <p:spTgt spid="4"/>
+                                        </p:tgtEl>
+                                        <p:attrNameLst>
+                                          <p:attrName>style.visibility</p:attrName>
+                                        </p:attrNameLst>
+                                      </p:cBhvr>
+                                      <p:to>
+                                        <p:strVal val="visible"/>
+                                      </p:to>
+                                    </p:set>
+                                    <p:anim calcmode="lin" valueType="num">
+                                      <p:cBhvr>
+                                        <p:cTn id="7" dur="1000" fill="hold"/>
+                                        <p:tgtEl>
+                                          <p:spTgt spid="4"/>
+                                        </p:tgtEl>
+                                        <p:attrNameLst>
+                                          <p:attrName>ppt_w</p:attrName>
+                                        </p:attrNameLst>
+                                      </p:cBhvr>
+                                      <p:tavLst>
+                                        <p:tav tm="0">
+                                          <p:val>
+                                            <p:fltVal val="0"/>
+                                          </p:val>
+                                        </p:tav>
+                                        <p:tav tm="100000">
+                                          <p:val>
+                                            <p:strVal val="#ppt_w"/>
+                                          </p:val>
+                                        </p:tav>
+                                      </p:tavLst>
+                                    </p:anim>
+                                    <p:anim calcmode="lin" valueType="num">
+                                      <p:cBhvr>
+                                        <p:cTn id="8" dur="1000" fill="hold"/>
+                                        <p:tgtEl>
+                                          <p:spTgt spid="4"/>
+                                        </p:tgtEl>
+                                        <p:attrNameLst>
+                                          <p:attrName>ppt_h</p:attrName>
+                                        </p:attrNameLst>
+                                      </p:cBhvr>
+                                      <p:tavLst>
+                                        <p:tav tm="0">
+                                          <p:val>
+                                            <p:fltVal val="0"/>
+                                          </p:val>
+                                        </p:tav>
+                                        <p:tav tm="100000">
+                                          <p:val>
+                                            <p:strVal val="#ppt_h"/>
+                                          </p:val>
+                                        </p:tav>
+                                      </p:tavLst>
+                                    </p:anim>
+                                    <p:anim calcmode="lin" valueType="num">
+                                      <p:cBhvr>
+                                        <p:cTn id="9" dur="1000" fill="hold"/>
+                                        <p:tgtEl>
+                                          <p:spTgt spid="4"/>
+                                        </p:tgtEl>
+                                        <p:attrNameLst>
+                                          <p:attrName>style.rotation</p:attrName>
+                                        </p:attrNameLst>
+                                      </p:cBhvr>
+                                      <p:tavLst>
+                                        <p:tav tm="0">
+                                          <p:val>
+                                            <p:fltVal val="90"/>
+                                          </p:val>
+                                        </p:tav>
+                                        <p:tav tm="100000">
+                                          <p:val>
+                                            <p:fltVal val="0"/>
+                                          </p:val>
+                                        </p:tav>
+                                      </p:tavLst>
+                                    </p:anim>
+                                    <p:animEffect transition="in" filter="fade">
+                                      <p:cBhvr>
+                                        <p:cTn id="10" dur="1000"/>
+                                        <p:tgtEl>
+                                          <p:spTgt spid="4"/>
+                                        </p:tgtEl>
+                                      </p:cBhvr>
+                                    </p:animEffect>
+                                  </p:childTnLst>
+                                </p:cTn>
+                              </p:par>
+                            </p:childTnLst>
+                          </p:cTn>
+                        </p:par>
+                      </p:childTnLst>
+                    </p:cTn>
+                  </p:par>
+                </p:childTnLst>
+              </p:cTn>
+              <p:prevCondLst>
+                <p:cond evt="onPrev" delay="0">
+                  <p:tgtEl>
+                    <p:sldTgt/>
+                  </p:tgtEl>
+                </p:cond>
+              </p:prevCondLst>
+              <p:nextCondLst>
+                <p:cond evt="onNext" delay="0">
+                  <p:tgtEl>
+                    <p:sldTgt/>
+                  </p:tgtEl>
+                </p:cond>
+              </p:nextCondLst>
+            </p:seq>
+          </p:childTnLst>
+        </p:cTn>
       </p:par>
     </p:tnLst>
+    <p:bldLst>
+      <p:bldP spid="4" grpId="0" animBg="1"/>
+    </p:bldLst>
   </p:timing>
 </p:sld>
 </file>
@@ -4968,28 +5250,14 @@
                 <a:latin typeface="Times New Roman" panose="02020603050405020304" pitchFamily="18" charset="0"/>
                 <a:cs typeface="Times New Roman" panose="02020603050405020304" pitchFamily="18" charset="0"/>
               </a:rPr>
-              <a:t>xung</a:t>
-            </a:r>
-            <a:r>
-              <a:rPr lang="en-US" dirty="0" smtClean="0">
-                <a:latin typeface="Times New Roman" panose="02020603050405020304" pitchFamily="18" charset="0"/>
-                <a:cs typeface="Times New Roman" panose="02020603050405020304" pitchFamily="18" charset="0"/>
-              </a:rPr>
-              <a:t> </a:t>
-            </a:r>
-            <a:r>
-              <a:rPr lang="en-US" dirty="0" err="1" smtClean="0">
-                <a:latin typeface="Times New Roman" panose="02020603050405020304" pitchFamily="18" charset="0"/>
-                <a:cs typeface="Times New Roman" panose="02020603050405020304" pitchFamily="18" charset="0"/>
-              </a:rPr>
-              <a:t>đột</a:t>
-            </a:r>
-            <a:r>
-              <a:rPr lang="en-US" dirty="0" smtClean="0">
-                <a:latin typeface="Times New Roman" panose="02020603050405020304" pitchFamily="18" charset="0"/>
-                <a:cs typeface="Times New Roman" panose="02020603050405020304" pitchFamily="18" charset="0"/>
-              </a:rPr>
-              <a:t> version</a:t>
+              <a:t>lỗi</a:t>
+            </a:r>
+            <a:r>
+              <a:rPr lang="en-US" dirty="0" smtClean="0">
+                <a:latin typeface="Times New Roman" panose="02020603050405020304" pitchFamily="18" charset="0"/>
+                <a:cs typeface="Times New Roman" panose="02020603050405020304" pitchFamily="18" charset="0"/>
+              </a:rPr>
+              <a:t> package version</a:t>
             </a:r>
             <a:endParaRPr lang="en-US" dirty="0">
               <a:latin typeface="Times New Roman" panose="02020603050405020304" pitchFamily="18" charset="0"/>
@@ -5011,9 +5279,80 @@
   <p:timing>
     <p:tnLst>
       <p:par>
-        <p:cTn id="1" dur="indefinite" restart="never" nodeType="tmRoot"/>
+        <p:cTn id="1" dur="indefinite" restart="never" nodeType="tmRoot">
+          <p:childTnLst>
+            <p:seq concurrent="1" nextAc="seek">
+              <p:cTn id="2" dur="indefinite" nodeType="mainSeq">
+                <p:childTnLst>
+                  <p:par>
+                    <p:cTn id="3" fill="hold">
+                      <p:stCondLst>
+                        <p:cond delay="indefinite"/>
+                      </p:stCondLst>
+                      <p:childTnLst>
+                        <p:par>
+                          <p:cTn id="4" fill="hold">
+                            <p:stCondLst>
+                              <p:cond delay="0"/>
+                            </p:stCondLst>
+                            <p:childTnLst>
+                              <p:par>
+                                <p:cTn id="5" presetID="1" presetClass="entr" presetSubtype="0" fill="hold" grpId="0" nodeType="clickEffect">
+                                  <p:stCondLst>
+                                    <p:cond delay="0"/>
+                                  </p:stCondLst>
+                                  <p:childTnLst>
+                                    <p:set>
+                                      <p:cBhvr>
+                                        <p:cTn id="6" dur="1" fill="hold">
+                                          <p:stCondLst>
+                                            <p:cond delay="0"/>
+                                          </p:stCondLst>
+                                        </p:cTn>
+                                        <p:tgtEl>
+                                          <p:spTgt spid="4"/>
+                                        </p:tgtEl>
+                                        <p:attrNameLst>
+                                          <p:attrName>style.visibility</p:attrName>
+                                        </p:attrNameLst>
+                                      </p:cBhvr>
+                                      <p:to>
+                                        <p:strVal val="visible"/>
+                                      </p:to>
+                                    </p:set>
+                                  </p:childTnLst>
+                                </p:cTn>
+                              </p:par>
+                            </p:childTnLst>
+                          </p:cTn>
+                        </p:par>
+                      </p:childTnLst>
+                    </p:cTn>
+                  </p:par>
+                </p:childTnLst>
+              </p:cTn>
+              <p:prevCondLst>
+                <p:cond evt="onPrev" delay="0">
+                  <p:tgtEl>
+                    <p:sldTgt/>
+                  </p:tgtEl>
+                </p:cond>
+              </p:prevCondLst>
+              <p:nextCondLst>
+                <p:cond evt="onNext" delay="0">
+                  <p:tgtEl>
+                    <p:sldTgt/>
+                  </p:tgtEl>
+                </p:cond>
+              </p:nextCondLst>
+            </p:seq>
+          </p:childTnLst>
+        </p:cTn>
       </p:par>
     </p:tnLst>
+    <p:bldLst>
+      <p:bldP spid="4" grpId="0"/>
+    </p:bldLst>
   </p:timing>
 </p:sld>
 </file>
@@ -5466,9 +5805,80 @@
   <p:timing>
     <p:tnLst>
       <p:par>
-        <p:cTn id="1" dur="indefinite" restart="never" nodeType="tmRoot"/>
+        <p:cTn id="1" dur="indefinite" restart="never" nodeType="tmRoot">
+          <p:childTnLst>
+            <p:seq concurrent="1" nextAc="seek">
+              <p:cTn id="2" dur="indefinite" nodeType="mainSeq">
+                <p:childTnLst>
+                  <p:par>
+                    <p:cTn id="3" fill="hold">
+                      <p:stCondLst>
+                        <p:cond delay="indefinite"/>
+                      </p:stCondLst>
+                      <p:childTnLst>
+                        <p:par>
+                          <p:cTn id="4" fill="hold">
+                            <p:stCondLst>
+                              <p:cond delay="0"/>
+                            </p:stCondLst>
+                            <p:childTnLst>
+                              <p:par>
+                                <p:cTn id="5" presetID="1" presetClass="entr" presetSubtype="0" fill="hold" grpId="0" nodeType="clickEffect">
+                                  <p:stCondLst>
+                                    <p:cond delay="0"/>
+                                  </p:stCondLst>
+                                  <p:childTnLst>
+                                    <p:set>
+                                      <p:cBhvr>
+                                        <p:cTn id="6" dur="1" fill="hold">
+                                          <p:stCondLst>
+                                            <p:cond delay="0"/>
+                                          </p:stCondLst>
+                                        </p:cTn>
+                                        <p:tgtEl>
+                                          <p:spTgt spid="4"/>
+                                        </p:tgtEl>
+                                        <p:attrNameLst>
+                                          <p:attrName>style.visibility</p:attrName>
+                                        </p:attrNameLst>
+                                      </p:cBhvr>
+                                      <p:to>
+                                        <p:strVal val="visible"/>
+                                      </p:to>
+                                    </p:set>
+                                  </p:childTnLst>
+                                </p:cTn>
+                              </p:par>
+                            </p:childTnLst>
+                          </p:cTn>
+                        </p:par>
+                      </p:childTnLst>
+                    </p:cTn>
+                  </p:par>
+                </p:childTnLst>
+              </p:cTn>
+              <p:prevCondLst>
+                <p:cond evt="onPrev" delay="0">
+                  <p:tgtEl>
+                    <p:sldTgt/>
+                  </p:tgtEl>
+                </p:cond>
+              </p:prevCondLst>
+              <p:nextCondLst>
+                <p:cond evt="onNext" delay="0">
+                  <p:tgtEl>
+                    <p:sldTgt/>
+                  </p:tgtEl>
+                </p:cond>
+              </p:nextCondLst>
+            </p:seq>
+          </p:childTnLst>
+        </p:cTn>
       </p:par>
     </p:tnLst>
+    <p:bldLst>
+      <p:bldP spid="4" grpId="0"/>
+    </p:bldLst>
   </p:timing>
 </p:sld>
 </file>
@@ -5780,9 +6190,80 @@
   <p:timing>
     <p:tnLst>
       <p:par>
-        <p:cTn id="1" dur="indefinite" restart="never" nodeType="tmRoot"/>
+        <p:cTn id="1" dur="indefinite" restart="never" nodeType="tmRoot">
+          <p:childTnLst>
+            <p:seq concurrent="1" nextAc="seek">
+              <p:cTn id="2" dur="indefinite" nodeType="mainSeq">
+                <p:childTnLst>
+                  <p:par>
+                    <p:cTn id="3" fill="hold">
+                      <p:stCondLst>
+                        <p:cond delay="indefinite"/>
+                      </p:stCondLst>
+                      <p:childTnLst>
+                        <p:par>
+                          <p:cTn id="4" fill="hold">
+                            <p:stCondLst>
+                              <p:cond delay="0"/>
+                            </p:stCondLst>
+                            <p:childTnLst>
+                              <p:par>
+                                <p:cTn id="5" presetID="1" presetClass="entr" presetSubtype="0" fill="hold" grpId="0" nodeType="clickEffect">
+                                  <p:stCondLst>
+                                    <p:cond delay="0"/>
+                                  </p:stCondLst>
+                                  <p:childTnLst>
+                                    <p:set>
+                                      <p:cBhvr>
+                                        <p:cTn id="6" dur="1" fill="hold">
+                                          <p:stCondLst>
+                                            <p:cond delay="0"/>
+                                          </p:stCondLst>
+                                        </p:cTn>
+                                        <p:tgtEl>
+                                          <p:spTgt spid="4"/>
+                                        </p:tgtEl>
+                                        <p:attrNameLst>
+                                          <p:attrName>style.visibility</p:attrName>
+                                        </p:attrNameLst>
+                                      </p:cBhvr>
+                                      <p:to>
+                                        <p:strVal val="visible"/>
+                                      </p:to>
+                                    </p:set>
+                                  </p:childTnLst>
+                                </p:cTn>
+                              </p:par>
+                            </p:childTnLst>
+                          </p:cTn>
+                        </p:par>
+                      </p:childTnLst>
+                    </p:cTn>
+                  </p:par>
+                </p:childTnLst>
+              </p:cTn>
+              <p:prevCondLst>
+                <p:cond evt="onPrev" delay="0">
+                  <p:tgtEl>
+                    <p:sldTgt/>
+                  </p:tgtEl>
+                </p:cond>
+              </p:prevCondLst>
+              <p:nextCondLst>
+                <p:cond evt="onNext" delay="0">
+                  <p:tgtEl>
+                    <p:sldTgt/>
+                  </p:tgtEl>
+                </p:cond>
+              </p:nextCondLst>
+            </p:seq>
+          </p:childTnLst>
+        </p:cTn>
       </p:par>
     </p:tnLst>
+    <p:bldLst>
+      <p:bldP spid="4" grpId="0"/>
+    </p:bldLst>
   </p:timing>
 </p:sld>
 </file>
@@ -5869,34 +6350,41 @@
             <p:ph idx="1"/>
           </p:nvPr>
         </p:nvSpPr>
-        <p:spPr/>
-        <p:txBody>
-          <a:bodyPr/>
+        <p:spPr>
+          <a:xfrm>
+            <a:off x="6626224" y="2038990"/>
+            <a:ext cx="5483942" cy="2827978"/>
+          </a:xfrm>
+        </p:spPr>
+        <p:txBody>
+          <a:bodyPr>
+            <a:normAutofit/>
+          </a:bodyPr>
           <a:lstStyle/>
           <a:p>
             <a:r>
-              <a:rPr lang="en-US" dirty="0" err="1" smtClean="0">
+              <a:rPr lang="en-US" sz="2400" dirty="0" err="1" smtClean="0">
                 <a:latin typeface="Times New Roman" panose="02020603050405020304" pitchFamily="18" charset="0"/>
                 <a:cs typeface="Times New Roman" panose="02020603050405020304" pitchFamily="18" charset="0"/>
               </a:rPr>
               <a:t>Lợi</a:t>
             </a:r>
             <a:r>
-              <a:rPr lang="en-US" dirty="0" smtClean="0">
-                <a:latin typeface="Times New Roman" panose="02020603050405020304" pitchFamily="18" charset="0"/>
-                <a:cs typeface="Times New Roman" panose="02020603050405020304" pitchFamily="18" charset="0"/>
-              </a:rPr>
-              <a:t> </a:t>
-            </a:r>
-            <a:r>
-              <a:rPr lang="en-US" dirty="0" err="1" smtClean="0">
+              <a:rPr lang="en-US" sz="2400" dirty="0" smtClean="0">
+                <a:latin typeface="Times New Roman" panose="02020603050405020304" pitchFamily="18" charset="0"/>
+                <a:cs typeface="Times New Roman" panose="02020603050405020304" pitchFamily="18" charset="0"/>
+              </a:rPr>
+              <a:t> </a:t>
+            </a:r>
+            <a:r>
+              <a:rPr lang="en-US" sz="2400" dirty="0" err="1" smtClean="0">
                 <a:latin typeface="Times New Roman" panose="02020603050405020304" pitchFamily="18" charset="0"/>
                 <a:cs typeface="Times New Roman" panose="02020603050405020304" pitchFamily="18" charset="0"/>
               </a:rPr>
               <a:t>ích</a:t>
             </a:r>
             <a:r>
-              <a:rPr lang="en-US" dirty="0" smtClean="0">
+              <a:rPr lang="en-US" sz="2400" dirty="0" smtClean="0">
                 <a:latin typeface="Times New Roman" panose="02020603050405020304" pitchFamily="18" charset="0"/>
                 <a:cs typeface="Times New Roman" panose="02020603050405020304" pitchFamily="18" charset="0"/>
               </a:rPr>
@@ -5906,41 +6394,41 @@
           <a:p>
             <a:pPr lvl="1"/>
             <a:r>
-              <a:rPr lang="en-US" dirty="0" err="1" smtClean="0">
+              <a:rPr lang="en-US" sz="2000" dirty="0" err="1" smtClean="0">
                 <a:latin typeface="Times New Roman" panose="02020603050405020304" pitchFamily="18" charset="0"/>
                 <a:cs typeface="Times New Roman" panose="02020603050405020304" pitchFamily="18" charset="0"/>
               </a:rPr>
               <a:t>Dễ</a:t>
             </a:r>
             <a:r>
-              <a:rPr lang="en-US" dirty="0" smtClean="0">
-                <a:latin typeface="Times New Roman" panose="02020603050405020304" pitchFamily="18" charset="0"/>
-                <a:cs typeface="Times New Roman" panose="02020603050405020304" pitchFamily="18" charset="0"/>
-              </a:rPr>
-              <a:t> </a:t>
-            </a:r>
-            <a:r>
-              <a:rPr lang="en-US" dirty="0" err="1" smtClean="0">
+              <a:rPr lang="en-US" sz="2000" dirty="0" smtClean="0">
+                <a:latin typeface="Times New Roman" panose="02020603050405020304" pitchFamily="18" charset="0"/>
+                <a:cs typeface="Times New Roman" panose="02020603050405020304" pitchFamily="18" charset="0"/>
+              </a:rPr>
+              <a:t> </a:t>
+            </a:r>
+            <a:r>
+              <a:rPr lang="en-US" sz="2000" dirty="0" err="1" smtClean="0">
                 <a:latin typeface="Times New Roman" panose="02020603050405020304" pitchFamily="18" charset="0"/>
                 <a:cs typeface="Times New Roman" panose="02020603050405020304" pitchFamily="18" charset="0"/>
               </a:rPr>
               <a:t>triển</a:t>
             </a:r>
             <a:r>
-              <a:rPr lang="en-US" dirty="0" smtClean="0">
-                <a:latin typeface="Times New Roman" panose="02020603050405020304" pitchFamily="18" charset="0"/>
-                <a:cs typeface="Times New Roman" panose="02020603050405020304" pitchFamily="18" charset="0"/>
-              </a:rPr>
-              <a:t> </a:t>
-            </a:r>
-            <a:r>
-              <a:rPr lang="en-US" dirty="0" err="1" smtClean="0">
+              <a:rPr lang="en-US" sz="2000" dirty="0" smtClean="0">
+                <a:latin typeface="Times New Roman" panose="02020603050405020304" pitchFamily="18" charset="0"/>
+                <a:cs typeface="Times New Roman" panose="02020603050405020304" pitchFamily="18" charset="0"/>
+              </a:rPr>
+              <a:t> </a:t>
+            </a:r>
+            <a:r>
+              <a:rPr lang="en-US" sz="2000" dirty="0" err="1" smtClean="0">
                 <a:latin typeface="Times New Roman" panose="02020603050405020304" pitchFamily="18" charset="0"/>
                 <a:cs typeface="Times New Roman" panose="02020603050405020304" pitchFamily="18" charset="0"/>
               </a:rPr>
               <a:t>khai</a:t>
             </a:r>
-            <a:endParaRPr lang="en-US" dirty="0" smtClean="0">
+            <a:endParaRPr lang="en-US" sz="2000" dirty="0" smtClean="0">
               <a:latin typeface="Times New Roman" panose="02020603050405020304" pitchFamily="18" charset="0"/>
               <a:cs typeface="Times New Roman" panose="02020603050405020304" pitchFamily="18" charset="0"/>
             </a:endParaRPr>
@@ -5948,70 +6436,70 @@
           <a:p>
             <a:pPr lvl="1"/>
             <a:r>
-              <a:rPr lang="en-US" dirty="0" err="1" smtClean="0">
+              <a:rPr lang="en-US" sz="2000" dirty="0" err="1" smtClean="0">
                 <a:latin typeface="Times New Roman" panose="02020603050405020304" pitchFamily="18" charset="0"/>
                 <a:cs typeface="Times New Roman" panose="02020603050405020304" pitchFamily="18" charset="0"/>
               </a:rPr>
               <a:t>Thích</a:t>
             </a:r>
             <a:r>
-              <a:rPr lang="en-US" dirty="0" smtClean="0">
-                <a:latin typeface="Times New Roman" panose="02020603050405020304" pitchFamily="18" charset="0"/>
-                <a:cs typeface="Times New Roman" panose="02020603050405020304" pitchFamily="18" charset="0"/>
-              </a:rPr>
-              <a:t> </a:t>
-            </a:r>
-            <a:r>
-              <a:rPr lang="en-US" dirty="0" err="1" smtClean="0">
+              <a:rPr lang="en-US" sz="2000" dirty="0" smtClean="0">
+                <a:latin typeface="Times New Roman" panose="02020603050405020304" pitchFamily="18" charset="0"/>
+                <a:cs typeface="Times New Roman" panose="02020603050405020304" pitchFamily="18" charset="0"/>
+              </a:rPr>
+              <a:t> </a:t>
+            </a:r>
+            <a:r>
+              <a:rPr lang="en-US" sz="2000" dirty="0" err="1" smtClean="0">
                 <a:latin typeface="Times New Roman" panose="02020603050405020304" pitchFamily="18" charset="0"/>
                 <a:cs typeface="Times New Roman" panose="02020603050405020304" pitchFamily="18" charset="0"/>
               </a:rPr>
               <a:t>hợp</a:t>
             </a:r>
             <a:r>
-              <a:rPr lang="en-US" dirty="0" smtClean="0">
-                <a:latin typeface="Times New Roman" panose="02020603050405020304" pitchFamily="18" charset="0"/>
-                <a:cs typeface="Times New Roman" panose="02020603050405020304" pitchFamily="18" charset="0"/>
-              </a:rPr>
-              <a:t> </a:t>
-            </a:r>
-            <a:r>
-              <a:rPr lang="en-US" dirty="0" err="1" smtClean="0">
+              <a:rPr lang="en-US" sz="2000" dirty="0" smtClean="0">
+                <a:latin typeface="Times New Roman" panose="02020603050405020304" pitchFamily="18" charset="0"/>
+                <a:cs typeface="Times New Roman" panose="02020603050405020304" pitchFamily="18" charset="0"/>
+              </a:rPr>
+              <a:t> </a:t>
+            </a:r>
+            <a:r>
+              <a:rPr lang="en-US" sz="2000" dirty="0" err="1" smtClean="0">
                 <a:latin typeface="Times New Roman" panose="02020603050405020304" pitchFamily="18" charset="0"/>
                 <a:cs typeface="Times New Roman" panose="02020603050405020304" pitchFamily="18" charset="0"/>
               </a:rPr>
               <a:t>với</a:t>
             </a:r>
             <a:r>
-              <a:rPr lang="en-US" dirty="0" smtClean="0">
-                <a:latin typeface="Times New Roman" panose="02020603050405020304" pitchFamily="18" charset="0"/>
-                <a:cs typeface="Times New Roman" panose="02020603050405020304" pitchFamily="18" charset="0"/>
-              </a:rPr>
-              <a:t> </a:t>
-            </a:r>
-            <a:r>
-              <a:rPr lang="en-US" dirty="0" err="1" smtClean="0">
+              <a:rPr lang="en-US" sz="2000" dirty="0" smtClean="0">
+                <a:latin typeface="Times New Roman" panose="02020603050405020304" pitchFamily="18" charset="0"/>
+                <a:cs typeface="Times New Roman" panose="02020603050405020304" pitchFamily="18" charset="0"/>
+              </a:rPr>
+              <a:t> </a:t>
+            </a:r>
+            <a:r>
+              <a:rPr lang="en-US" sz="2000" dirty="0" err="1" smtClean="0">
                 <a:latin typeface="Times New Roman" panose="02020603050405020304" pitchFamily="18" charset="0"/>
                 <a:cs typeface="Times New Roman" panose="02020603050405020304" pitchFamily="18" charset="0"/>
               </a:rPr>
               <a:t>các</a:t>
             </a:r>
             <a:r>
-              <a:rPr lang="en-US" dirty="0" smtClean="0">
+              <a:rPr lang="en-US" sz="2000" dirty="0" smtClean="0">
                 <a:latin typeface="Times New Roman" panose="02020603050405020304" pitchFamily="18" charset="0"/>
                 <a:cs typeface="Times New Roman" panose="02020603050405020304" pitchFamily="18" charset="0"/>
               </a:rPr>
               <a:t> task </a:t>
             </a:r>
             <a:r>
-              <a:rPr lang="en-US" dirty="0" err="1" smtClean="0">
+              <a:rPr lang="en-US" sz="2000" dirty="0" err="1" smtClean="0">
                 <a:latin typeface="Times New Roman" panose="02020603050405020304" pitchFamily="18" charset="0"/>
                 <a:cs typeface="Times New Roman" panose="02020603050405020304" pitchFamily="18" charset="0"/>
               </a:rPr>
               <a:t>theo</a:t>
             </a:r>
             <a:r>
-              <a:rPr lang="en-US" dirty="0" smtClean="0">
+              <a:rPr lang="en-US" sz="2000" dirty="0" smtClean="0">
                 <a:latin typeface="Times New Roman" panose="02020603050405020304" pitchFamily="18" charset="0"/>
                 <a:cs typeface="Times New Roman" panose="02020603050405020304" pitchFamily="18" charset="0"/>
               </a:rPr>
@@ -6020,28 +6508,28 @@
           </a:p>
           <a:p>
             <a:r>
-              <a:rPr lang="en-US" dirty="0" err="1" smtClean="0">
+              <a:rPr lang="en-US" sz="2400" dirty="0" err="1" smtClean="0">
                 <a:latin typeface="Times New Roman" panose="02020603050405020304" pitchFamily="18" charset="0"/>
                 <a:cs typeface="Times New Roman" panose="02020603050405020304" pitchFamily="18" charset="0"/>
               </a:rPr>
               <a:t>Hạn</a:t>
             </a:r>
             <a:r>
-              <a:rPr lang="en-US" dirty="0" smtClean="0">
-                <a:latin typeface="Times New Roman" panose="02020603050405020304" pitchFamily="18" charset="0"/>
-                <a:cs typeface="Times New Roman" panose="02020603050405020304" pitchFamily="18" charset="0"/>
-              </a:rPr>
-              <a:t> </a:t>
-            </a:r>
-            <a:r>
-              <a:rPr lang="en-US" dirty="0" err="1" smtClean="0">
+              <a:rPr lang="en-US" sz="2400" dirty="0" smtClean="0">
+                <a:latin typeface="Times New Roman" panose="02020603050405020304" pitchFamily="18" charset="0"/>
+                <a:cs typeface="Times New Roman" panose="02020603050405020304" pitchFamily="18" charset="0"/>
+              </a:rPr>
+              <a:t> </a:t>
+            </a:r>
+            <a:r>
+              <a:rPr lang="en-US" sz="2400" dirty="0" err="1" smtClean="0">
                 <a:latin typeface="Times New Roman" panose="02020603050405020304" pitchFamily="18" charset="0"/>
                 <a:cs typeface="Times New Roman" panose="02020603050405020304" pitchFamily="18" charset="0"/>
               </a:rPr>
               <a:t>chế</a:t>
             </a:r>
             <a:r>
-              <a:rPr lang="en-US" dirty="0" smtClean="0">
+              <a:rPr lang="en-US" sz="2400" dirty="0" smtClean="0">
                 <a:latin typeface="Times New Roman" panose="02020603050405020304" pitchFamily="18" charset="0"/>
                 <a:cs typeface="Times New Roman" panose="02020603050405020304" pitchFamily="18" charset="0"/>
               </a:rPr>
@@ -6051,166 +6539,172 @@
           <a:p>
             <a:pPr lvl="1"/>
             <a:r>
-              <a:rPr lang="en-US" dirty="0" err="1" smtClean="0">
+              <a:rPr lang="en-US" sz="2000" dirty="0" err="1" smtClean="0">
                 <a:latin typeface="Times New Roman" panose="02020603050405020304" pitchFamily="18" charset="0"/>
                 <a:cs typeface="Times New Roman" panose="02020603050405020304" pitchFamily="18" charset="0"/>
               </a:rPr>
               <a:t>Không</a:t>
             </a:r>
             <a:r>
-              <a:rPr lang="en-US" dirty="0" smtClean="0">
-                <a:latin typeface="Times New Roman" panose="02020603050405020304" pitchFamily="18" charset="0"/>
-                <a:cs typeface="Times New Roman" panose="02020603050405020304" pitchFamily="18" charset="0"/>
-              </a:rPr>
-              <a:t> </a:t>
-            </a:r>
-            <a:r>
-              <a:rPr lang="en-US" dirty="0" err="1" smtClean="0">
+              <a:rPr lang="en-US" sz="2000" dirty="0" smtClean="0">
+                <a:latin typeface="Times New Roman" panose="02020603050405020304" pitchFamily="18" charset="0"/>
+                <a:cs typeface="Times New Roman" panose="02020603050405020304" pitchFamily="18" charset="0"/>
+              </a:rPr>
+              <a:t> </a:t>
+            </a:r>
+            <a:r>
+              <a:rPr lang="en-US" sz="2000" dirty="0" err="1" smtClean="0">
                 <a:latin typeface="Times New Roman" panose="02020603050405020304" pitchFamily="18" charset="0"/>
                 <a:cs typeface="Times New Roman" panose="02020603050405020304" pitchFamily="18" charset="0"/>
               </a:rPr>
               <a:t>hỗ</a:t>
             </a:r>
             <a:r>
-              <a:rPr lang="en-US" dirty="0" smtClean="0">
-                <a:latin typeface="Times New Roman" panose="02020603050405020304" pitchFamily="18" charset="0"/>
-                <a:cs typeface="Times New Roman" panose="02020603050405020304" pitchFamily="18" charset="0"/>
-              </a:rPr>
-              <a:t> </a:t>
-            </a:r>
-            <a:r>
-              <a:rPr lang="en-US" dirty="0" err="1" smtClean="0">
+              <a:rPr lang="en-US" sz="2000" dirty="0" smtClean="0">
+                <a:latin typeface="Times New Roman" panose="02020603050405020304" pitchFamily="18" charset="0"/>
+                <a:cs typeface="Times New Roman" panose="02020603050405020304" pitchFamily="18" charset="0"/>
+              </a:rPr>
+              <a:t> </a:t>
+            </a:r>
+            <a:r>
+              <a:rPr lang="en-US" sz="2000" dirty="0" err="1" smtClean="0">
                 <a:latin typeface="Times New Roman" panose="02020603050405020304" pitchFamily="18" charset="0"/>
                 <a:cs typeface="Times New Roman" panose="02020603050405020304" pitchFamily="18" charset="0"/>
               </a:rPr>
               <a:t>trợ</a:t>
             </a:r>
             <a:r>
-              <a:rPr lang="en-US" dirty="0" smtClean="0">
-                <a:latin typeface="Times New Roman" panose="02020603050405020304" pitchFamily="18" charset="0"/>
-                <a:cs typeface="Times New Roman" panose="02020603050405020304" pitchFamily="18" charset="0"/>
-              </a:rPr>
-              <a:t> </a:t>
-            </a:r>
-            <a:r>
-              <a:rPr lang="en-US" dirty="0" err="1" smtClean="0">
+              <a:rPr lang="en-US" sz="2000" dirty="0" smtClean="0">
+                <a:latin typeface="Times New Roman" panose="02020603050405020304" pitchFamily="18" charset="0"/>
+                <a:cs typeface="Times New Roman" panose="02020603050405020304" pitchFamily="18" charset="0"/>
+              </a:rPr>
+              <a:t> </a:t>
+            </a:r>
+            <a:r>
+              <a:rPr lang="en-US" sz="2000" dirty="0" err="1" smtClean="0">
                 <a:latin typeface="Times New Roman" panose="02020603050405020304" pitchFamily="18" charset="0"/>
                 <a:cs typeface="Times New Roman" panose="02020603050405020304" pitchFamily="18" charset="0"/>
               </a:rPr>
               <a:t>các</a:t>
             </a:r>
             <a:r>
-              <a:rPr lang="en-US" dirty="0" smtClean="0">
+              <a:rPr lang="en-US" sz="2000" dirty="0" smtClean="0">
                 <a:latin typeface="Times New Roman" panose="02020603050405020304" pitchFamily="18" charset="0"/>
                 <a:cs typeface="Times New Roman" panose="02020603050405020304" pitchFamily="18" charset="0"/>
               </a:rPr>
               <a:t> task </a:t>
             </a:r>
             <a:r>
-              <a:rPr lang="en-US" dirty="0" err="1" smtClean="0">
+              <a:rPr lang="en-US" sz="2000" dirty="0" err="1" smtClean="0">
                 <a:latin typeface="Times New Roman" panose="02020603050405020304" pitchFamily="18" charset="0"/>
                 <a:cs typeface="Times New Roman" panose="02020603050405020304" pitchFamily="18" charset="0"/>
               </a:rPr>
               <a:t>cần</a:t>
             </a:r>
             <a:r>
-              <a:rPr lang="en-US" dirty="0" smtClean="0">
+              <a:rPr lang="en-US" sz="2000" dirty="0" smtClean="0">
                 <a:latin typeface="Times New Roman" panose="02020603050405020304" pitchFamily="18" charset="0"/>
                 <a:cs typeface="Times New Roman" panose="02020603050405020304" pitchFamily="18" charset="0"/>
               </a:rPr>
               <a:t> nhiều </a:t>
             </a:r>
             <a:r>
-              <a:rPr lang="en-US" dirty="0" err="1" smtClean="0">
+              <a:rPr lang="en-US" sz="2000" dirty="0" err="1" smtClean="0">
                 <a:latin typeface="Times New Roman" panose="02020603050405020304" pitchFamily="18" charset="0"/>
                 <a:cs typeface="Times New Roman" panose="02020603050405020304" pitchFamily="18" charset="0"/>
               </a:rPr>
               <a:t>thời</a:t>
             </a:r>
             <a:r>
-              <a:rPr lang="en-US" dirty="0" smtClean="0">
-                <a:latin typeface="Times New Roman" panose="02020603050405020304" pitchFamily="18" charset="0"/>
-                <a:cs typeface="Times New Roman" panose="02020603050405020304" pitchFamily="18" charset="0"/>
-              </a:rPr>
-              <a:t> </a:t>
-            </a:r>
-            <a:r>
-              <a:rPr lang="en-US" dirty="0" err="1" smtClean="0">
+              <a:rPr lang="en-US" sz="2000" dirty="0" smtClean="0">
+                <a:latin typeface="Times New Roman" panose="02020603050405020304" pitchFamily="18" charset="0"/>
+                <a:cs typeface="Times New Roman" panose="02020603050405020304" pitchFamily="18" charset="0"/>
+              </a:rPr>
+              <a:t> </a:t>
+            </a:r>
+            <a:r>
+              <a:rPr lang="en-US" sz="2000" dirty="0" err="1" smtClean="0">
                 <a:latin typeface="Times New Roman" panose="02020603050405020304" pitchFamily="18" charset="0"/>
                 <a:cs typeface="Times New Roman" panose="02020603050405020304" pitchFamily="18" charset="0"/>
               </a:rPr>
               <a:t>gian</a:t>
             </a:r>
             <a:r>
-              <a:rPr lang="en-US" dirty="0" smtClean="0">
-                <a:latin typeface="Times New Roman" panose="02020603050405020304" pitchFamily="18" charset="0"/>
-                <a:cs typeface="Times New Roman" panose="02020603050405020304" pitchFamily="18" charset="0"/>
-              </a:rPr>
-              <a:t> (AWS Lambda </a:t>
-            </a:r>
-            <a:r>
-              <a:rPr lang="en-US" dirty="0" err="1" smtClean="0">
-                <a:latin typeface="Times New Roman" panose="02020603050405020304" pitchFamily="18" charset="0"/>
-                <a:cs typeface="Times New Roman" panose="02020603050405020304" pitchFamily="18" charset="0"/>
-              </a:rPr>
-              <a:t>giới</a:t>
-            </a:r>
-            <a:r>
-              <a:rPr lang="en-US" dirty="0" smtClean="0">
-                <a:latin typeface="Times New Roman" panose="02020603050405020304" pitchFamily="18" charset="0"/>
-                <a:cs typeface="Times New Roman" panose="02020603050405020304" pitchFamily="18" charset="0"/>
-              </a:rPr>
-              <a:t> </a:t>
-            </a:r>
-            <a:r>
-              <a:rPr lang="en-US" dirty="0" err="1" smtClean="0">
-                <a:latin typeface="Times New Roman" panose="02020603050405020304" pitchFamily="18" charset="0"/>
-                <a:cs typeface="Times New Roman" panose="02020603050405020304" pitchFamily="18" charset="0"/>
-              </a:rPr>
-              <a:t>hạn</a:t>
-            </a:r>
-            <a:r>
-              <a:rPr lang="en-US" dirty="0" smtClean="0">
-                <a:latin typeface="Times New Roman" panose="02020603050405020304" pitchFamily="18" charset="0"/>
-                <a:cs typeface="Times New Roman" panose="02020603050405020304" pitchFamily="18" charset="0"/>
-              </a:rPr>
-              <a:t> &lt;= 300s)</a:t>
-            </a:r>
-            <a:endParaRPr lang="en-US" dirty="0">
+              <a:rPr lang="en-US" sz="2000" dirty="0" smtClean="0">
+                <a:latin typeface="Times New Roman" panose="02020603050405020304" pitchFamily="18" charset="0"/>
+                <a:cs typeface="Times New Roman" panose="02020603050405020304" pitchFamily="18" charset="0"/>
+              </a:rPr>
+              <a:t> (</a:t>
+            </a:r>
+            <a:r>
+              <a:rPr lang="en-US" sz="2000" dirty="0" err="1" smtClean="0">
+                <a:latin typeface="Times New Roman" panose="02020603050405020304" pitchFamily="18" charset="0"/>
+                <a:cs typeface="Times New Roman" panose="02020603050405020304" pitchFamily="18" charset="0"/>
+              </a:rPr>
+              <a:t>vd</a:t>
+            </a:r>
+            <a:r>
+              <a:rPr lang="en-US" sz="2000" dirty="0">
+                <a:latin typeface="Times New Roman" panose="02020603050405020304" pitchFamily="18" charset="0"/>
+                <a:cs typeface="Times New Roman" panose="02020603050405020304" pitchFamily="18" charset="0"/>
+              </a:rPr>
+              <a:t>: data analysis, </a:t>
+            </a:r>
+            <a:r>
+              <a:rPr lang="en-US" sz="2000" dirty="0" smtClean="0">
+                <a:latin typeface="Times New Roman" panose="02020603050405020304" pitchFamily="18" charset="0"/>
+                <a:cs typeface="Times New Roman" panose="02020603050405020304" pitchFamily="18" charset="0"/>
+              </a:rPr>
+              <a:t>AI modeling, ..)</a:t>
+            </a:r>
+            <a:endParaRPr lang="en-US" sz="2000" dirty="0">
               <a:latin typeface="Times New Roman" panose="02020603050405020304" pitchFamily="18" charset="0"/>
               <a:cs typeface="Times New Roman" panose="02020603050405020304" pitchFamily="18" charset="0"/>
             </a:endParaRPr>
           </a:p>
-          <a:p>
-            <a:pPr lvl="1"/>
-            <a:r>
-              <a:rPr lang="en-US" dirty="0" err="1" smtClean="0">
-                <a:latin typeface="Times New Roman" panose="02020603050405020304" pitchFamily="18" charset="0"/>
-                <a:cs typeface="Times New Roman" panose="02020603050405020304" pitchFamily="18" charset="0"/>
-              </a:rPr>
-              <a:t>Giá</a:t>
-            </a:r>
-            <a:r>
-              <a:rPr lang="en-US" dirty="0" smtClean="0">
-                <a:latin typeface="Times New Roman" panose="02020603050405020304" pitchFamily="18" charset="0"/>
-                <a:cs typeface="Times New Roman" panose="02020603050405020304" pitchFamily="18" charset="0"/>
-              </a:rPr>
-              <a:t> </a:t>
-            </a:r>
-            <a:r>
-              <a:rPr lang="en-US" dirty="0" err="1" smtClean="0">
-                <a:latin typeface="Times New Roman" panose="02020603050405020304" pitchFamily="18" charset="0"/>
-                <a:cs typeface="Times New Roman" panose="02020603050405020304" pitchFamily="18" charset="0"/>
-              </a:rPr>
-              <a:t>cao</a:t>
-            </a:r>
-            <a:endParaRPr lang="en-US" dirty="0">
-              <a:latin typeface="Times New Roman" panose="02020603050405020304" pitchFamily="18" charset="0"/>
-              <a:cs typeface="Times New Roman" panose="02020603050405020304" pitchFamily="18" charset="0"/>
-            </a:endParaRPr>
-          </a:p>
-        </p:txBody>
-      </p:sp>
+        </p:txBody>
+      </p:sp>
+      <p:pic>
+        <p:nvPicPr>
+          <p:cNvPr id="1026" name="Picture 2" descr="Serverless Architecture Patterns in AWS | by Naresh Waswani | Medium"/>
+          <p:cNvPicPr>
+            <a:picLocks noChangeAspect="1" noChangeArrowheads="1"/>
+          </p:cNvPicPr>
+          <p:nvPr/>
+        </p:nvPicPr>
+        <p:blipFill>
+          <a:blip r:embed="rId2">
+            <a:extLst>
+              <a:ext uri="{28A0092B-C50C-407E-A947-70E740481C1C}">
+                <a14:useLocalDpi xmlns:a14="http://schemas.microsoft.com/office/drawing/2010/main" val="0"/>
+              </a:ext>
+            </a:extLst>
+          </a:blip>
+          <a:srcRect/>
+          <a:stretch>
+            <a:fillRect/>
+          </a:stretch>
+        </p:blipFill>
+        <p:spPr bwMode="auto">
+          <a:xfrm>
+            <a:off x="145742" y="1690688"/>
+            <a:ext cx="6391275" cy="4219575"/>
+          </a:xfrm>
+          <a:prstGeom prst="rect">
+            <a:avLst/>
+          </a:prstGeom>
+          <a:noFill/>
+          <a:extLst>
+            <a:ext uri="{909E8E84-426E-40DD-AFC4-6F175D3DCCD1}">
+              <a14:hiddenFill xmlns:a14="http://schemas.microsoft.com/office/drawing/2010/main">
+                <a:solidFill>
+                  <a:srgbClr val="FFFFFF"/>
+                </a:solidFill>
+              </a14:hiddenFill>
+            </a:ext>
+          </a:extLst>
+        </p:spPr>
+      </p:pic>
       <p:sp>
         <p:nvSpPr>
           <p:cNvPr id="4" name="TextBox 3"/>
@@ -6219,8 +6713,8 @@
         </p:nvSpPr>
         <p:spPr>
           <a:xfrm>
-            <a:off x="5674605" y="5715298"/>
-            <a:ext cx="6278963" cy="923330"/>
+            <a:off x="6792143" y="4601779"/>
+            <a:ext cx="5152104" cy="1477328"/>
           </a:xfrm>
           <a:prstGeom prst="rect">
             <a:avLst/>
@@ -6235,7 +6729,7 @@
           </a:ln>
         </p:spPr>
         <p:txBody>
-          <a:bodyPr wrap="none" rtlCol="0">
+          <a:bodyPr wrap="square" rtlCol="0">
             <a:spAutoFit/>
           </a:bodyPr>
           <a:lstStyle/>
@@ -6374,9 +6868,349 @@
   <p:timing>
     <p:tnLst>
       <p:par>
-        <p:cTn id="1" dur="indefinite" restart="never" nodeType="tmRoot"/>
+        <p:cTn id="1" dur="indefinite" restart="never" nodeType="tmRoot">
+          <p:childTnLst>
+            <p:seq concurrent="1" nextAc="seek">
+              <p:cTn id="2" dur="indefinite" nodeType="mainSeq">
+                <p:childTnLst>
+                  <p:par>
+                    <p:cTn id="3" fill="hold">
+                      <p:stCondLst>
+                        <p:cond delay="indefinite"/>
+                      </p:stCondLst>
+                      <p:childTnLst>
+                        <p:par>
+                          <p:cTn id="4" fill="hold">
+                            <p:stCondLst>
+                              <p:cond delay="0"/>
+                            </p:stCondLst>
+                            <p:childTnLst>
+                              <p:par>
+                                <p:cTn id="5" presetID="1" presetClass="entr" presetSubtype="0" fill="hold" grpId="0" nodeType="clickEffect">
+                                  <p:stCondLst>
+                                    <p:cond delay="0"/>
+                                  </p:stCondLst>
+                                  <p:childTnLst>
+                                    <p:set>
+                                      <p:cBhvr>
+                                        <p:cTn id="6" dur="1" fill="hold">
+                                          <p:stCondLst>
+                                            <p:cond delay="0"/>
+                                          </p:stCondLst>
+                                        </p:cTn>
+                                        <p:tgtEl>
+                                          <p:spTgt spid="3">
+                                            <p:txEl>
+                                              <p:pRg st="0" end="0"/>
+                                            </p:txEl>
+                                          </p:spTgt>
+                                        </p:tgtEl>
+                                        <p:attrNameLst>
+                                          <p:attrName>style.visibility</p:attrName>
+                                        </p:attrNameLst>
+                                      </p:cBhvr>
+                                      <p:to>
+                                        <p:strVal val="visible"/>
+                                      </p:to>
+                                    </p:set>
+                                  </p:childTnLst>
+                                </p:cTn>
+                              </p:par>
+                              <p:par>
+                                <p:cTn id="7" presetID="1" presetClass="entr" presetSubtype="0" fill="hold" grpId="0" nodeType="withEffect">
+                                  <p:stCondLst>
+                                    <p:cond delay="0"/>
+                                  </p:stCondLst>
+                                  <p:childTnLst>
+                                    <p:set>
+                                      <p:cBhvr>
+                                        <p:cTn id="8" dur="1" fill="hold">
+                                          <p:stCondLst>
+                                            <p:cond delay="0"/>
+                                          </p:stCondLst>
+                                        </p:cTn>
+                                        <p:tgtEl>
+                                          <p:spTgt spid="3">
+                                            <p:txEl>
+                                              <p:pRg st="1" end="1"/>
+                                            </p:txEl>
+                                          </p:spTgt>
+                                        </p:tgtEl>
+                                        <p:attrNameLst>
+                                          <p:attrName>style.visibility</p:attrName>
+                                        </p:attrNameLst>
+                                      </p:cBhvr>
+                                      <p:to>
+                                        <p:strVal val="visible"/>
+                                      </p:to>
+                                    </p:set>
+                                  </p:childTnLst>
+                                </p:cTn>
+                              </p:par>
+                              <p:par>
+                                <p:cTn id="9" presetID="1" presetClass="entr" presetSubtype="0" fill="hold" grpId="0" nodeType="withEffect">
+                                  <p:stCondLst>
+                                    <p:cond delay="0"/>
+                                  </p:stCondLst>
+                                  <p:childTnLst>
+                                    <p:set>
+                                      <p:cBhvr>
+                                        <p:cTn id="10" dur="1" fill="hold">
+                                          <p:stCondLst>
+                                            <p:cond delay="0"/>
+                                          </p:stCondLst>
+                                        </p:cTn>
+                                        <p:tgtEl>
+                                          <p:spTgt spid="3">
+                                            <p:txEl>
+                                              <p:pRg st="2" end="2"/>
+                                            </p:txEl>
+                                          </p:spTgt>
+                                        </p:tgtEl>
+                                        <p:attrNameLst>
+                                          <p:attrName>style.visibility</p:attrName>
+                                        </p:attrNameLst>
+                                      </p:cBhvr>
+                                      <p:to>
+                                        <p:strVal val="visible"/>
+                                      </p:to>
+                                    </p:set>
+                                  </p:childTnLst>
+                                </p:cTn>
+                              </p:par>
+                            </p:childTnLst>
+                          </p:cTn>
+                        </p:par>
+                      </p:childTnLst>
+                    </p:cTn>
+                  </p:par>
+                  <p:par>
+                    <p:cTn id="11" fill="hold">
+                      <p:stCondLst>
+                        <p:cond delay="indefinite"/>
+                      </p:stCondLst>
+                      <p:childTnLst>
+                        <p:par>
+                          <p:cTn id="12" fill="hold">
+                            <p:stCondLst>
+                              <p:cond delay="0"/>
+                            </p:stCondLst>
+                            <p:childTnLst>
+                              <p:par>
+                                <p:cTn id="13" presetID="1" presetClass="entr" presetSubtype="0" fill="hold" grpId="0" nodeType="clickEffect">
+                                  <p:stCondLst>
+                                    <p:cond delay="0"/>
+                                  </p:stCondLst>
+                                  <p:childTnLst>
+                                    <p:set>
+                                      <p:cBhvr>
+                                        <p:cTn id="14" dur="1" fill="hold">
+                                          <p:stCondLst>
+                                            <p:cond delay="0"/>
+                                          </p:stCondLst>
+                                        </p:cTn>
+                                        <p:tgtEl>
+                                          <p:spTgt spid="3">
+                                            <p:txEl>
+                                              <p:pRg st="3" end="3"/>
+                                            </p:txEl>
+                                          </p:spTgt>
+                                        </p:tgtEl>
+                                        <p:attrNameLst>
+                                          <p:attrName>style.visibility</p:attrName>
+                                        </p:attrNameLst>
+                                      </p:cBhvr>
+                                      <p:to>
+                                        <p:strVal val="visible"/>
+                                      </p:to>
+                                    </p:set>
+                                  </p:childTnLst>
+                                </p:cTn>
+                              </p:par>
+                              <p:par>
+                                <p:cTn id="15" presetID="1" presetClass="entr" presetSubtype="0" fill="hold" grpId="0" nodeType="withEffect">
+                                  <p:stCondLst>
+                                    <p:cond delay="0"/>
+                                  </p:stCondLst>
+                                  <p:childTnLst>
+                                    <p:set>
+                                      <p:cBhvr>
+                                        <p:cTn id="16" dur="1" fill="hold">
+                                          <p:stCondLst>
+                                            <p:cond delay="0"/>
+                                          </p:stCondLst>
+                                        </p:cTn>
+                                        <p:tgtEl>
+                                          <p:spTgt spid="3">
+                                            <p:txEl>
+                                              <p:pRg st="4" end="4"/>
+                                            </p:txEl>
+                                          </p:spTgt>
+                                        </p:tgtEl>
+                                        <p:attrNameLst>
+                                          <p:attrName>style.visibility</p:attrName>
+                                        </p:attrNameLst>
+                                      </p:cBhvr>
+                                      <p:to>
+                                        <p:strVal val="visible"/>
+                                      </p:to>
+                                    </p:set>
+                                  </p:childTnLst>
+                                </p:cTn>
+                              </p:par>
+                            </p:childTnLst>
+                          </p:cTn>
+                        </p:par>
+                      </p:childTnLst>
+                    </p:cTn>
+                  </p:par>
+                  <p:par>
+                    <p:cTn id="17" fill="hold">
+                      <p:stCondLst>
+                        <p:cond delay="indefinite"/>
+                      </p:stCondLst>
+                      <p:childTnLst>
+                        <p:par>
+                          <p:cTn id="18" fill="hold">
+                            <p:stCondLst>
+                              <p:cond delay="0"/>
+                            </p:stCondLst>
+                            <p:childTnLst>
+                              <p:par>
+                                <p:cTn id="19" presetID="31" presetClass="entr" presetSubtype="0" fill="hold" grpId="0" nodeType="clickEffect">
+                                  <p:stCondLst>
+                                    <p:cond delay="0"/>
+                                  </p:stCondLst>
+                                  <p:childTnLst>
+                                    <p:set>
+                                      <p:cBhvr>
+                                        <p:cTn id="20" dur="1" fill="hold">
+                                          <p:stCondLst>
+                                            <p:cond delay="0"/>
+                                          </p:stCondLst>
+                                        </p:cTn>
+                                        <p:tgtEl>
+                                          <p:spTgt spid="4"/>
+                                        </p:tgtEl>
+                                        <p:attrNameLst>
+                                          <p:attrName>style.visibility</p:attrName>
+                                        </p:attrNameLst>
+                                      </p:cBhvr>
+                                      <p:to>
+                                        <p:strVal val="visible"/>
+                                      </p:to>
+                                    </p:set>
+                                    <p:anim calcmode="lin" valueType="num">
+                                      <p:cBhvr>
+                                        <p:cTn id="21" dur="1000" fill="hold"/>
+                                        <p:tgtEl>
+                                          <p:spTgt spid="4"/>
+                                        </p:tgtEl>
+                                        <p:attrNameLst>
+                                          <p:attrName>ppt_w</p:attrName>
+                                        </p:attrNameLst>
+                                      </p:cBhvr>
+                                      <p:tavLst>
+                                        <p:tav tm="0">
+                                          <p:val>
+                                            <p:fltVal val="0"/>
+                                          </p:val>
+                                        </p:tav>
+                                        <p:tav tm="100000">
+                                          <p:val>
+                                            <p:strVal val="#ppt_w"/>
+                                          </p:val>
+                                        </p:tav>
+                                      </p:tavLst>
+                                    </p:anim>
+                                    <p:anim calcmode="lin" valueType="num">
+                                      <p:cBhvr>
+                                        <p:cTn id="22" dur="1000" fill="hold"/>
+                                        <p:tgtEl>
+                                          <p:spTgt spid="4"/>
+                                        </p:tgtEl>
+                                        <p:attrNameLst>
+                                          <p:attrName>ppt_h</p:attrName>
+                                        </p:attrNameLst>
+                                      </p:cBhvr>
+                                      <p:tavLst>
+                                        <p:tav tm="0">
+                                          <p:val>
+                                            <p:fltVal val="0"/>
+                                          </p:val>
+                                        </p:tav>
+                                        <p:tav tm="100000">
+                                          <p:val>
+                                            <p:strVal val="#ppt_h"/>
+                                          </p:val>
+                                        </p:tav>
+                                      </p:tavLst>
+                                    </p:anim>
+                                    <p:anim calcmode="lin" valueType="num">
+                                      <p:cBhvr>
+                                        <p:cTn id="23" dur="1000" fill="hold"/>
+                                        <p:tgtEl>
+                                          <p:spTgt spid="4"/>
+                                        </p:tgtEl>
+                                        <p:attrNameLst>
+                                          <p:attrName>style.rotation</p:attrName>
+                                        </p:attrNameLst>
+                                      </p:cBhvr>
+                                      <p:tavLst>
+                                        <p:tav tm="0">
+                                          <p:val>
+                                            <p:fltVal val="90"/>
+                                          </p:val>
+                                        </p:tav>
+                                        <p:tav tm="100000">
+                                          <p:val>
+                                            <p:fltVal val="0"/>
+                                          </p:val>
+                                        </p:tav>
+                                      </p:tavLst>
+                                    </p:anim>
+                                    <p:animEffect transition="in" filter="fade">
+                                      <p:cBhvr>
+                                        <p:cTn id="24" dur="1000"/>
+                                        <p:tgtEl>
+                                          <p:spTgt spid="4"/>
+                                        </p:tgtEl>
+                                      </p:cBhvr>
+                                    </p:animEffect>
+                                  </p:childTnLst>
+                                </p:cTn>
+                              </p:par>
+                            </p:childTnLst>
+                          </p:cTn>
+                        </p:par>
+                      </p:childTnLst>
+                    </p:cTn>
+                  </p:par>
+                </p:childTnLst>
+              </p:cTn>
+              <p:prevCondLst>
+                <p:cond evt="onPrev" delay="0">
+                  <p:tgtEl>
+                    <p:sldTgt/>
+                  </p:tgtEl>
+                </p:cond>
+              </p:prevCondLst>
+              <p:nextCondLst>
+                <p:cond evt="onNext" delay="0">
+                  <p:tgtEl>
+                    <p:sldTgt/>
+                  </p:tgtEl>
+                </p:cond>
+              </p:nextCondLst>
+            </p:seq>
+          </p:childTnLst>
+        </p:cTn>
       </p:par>
     </p:tnLst>
+    <p:bldLst>
+      <p:bldP spid="3" grpId="0" build="p"/>
+      <p:bldP spid="4" grpId="0" animBg="1"/>
+    </p:bldLst>
   </p:timing>
 </p:sld>
 </file>

--- a/module-6/Choosing-a-Microservices-Deployment-Strategy.pptx
+++ b/module-6/Choosing-a-Microservices-Deployment-Strategy.pptx
@@ -249,7 +249,7 @@
           <a:p>
             <a:fld id="{BD6D4E31-DC38-4656-BF0E-E6CCECC6080A}" type="datetimeFigureOut">
               <a:rPr lang="en-US" smtClean="0"/>
-              <a:t>1/8/2022</a:t>
+              <a:t>1/12/2022</a:t>
             </a:fld>
             <a:endParaRPr lang="en-US"/>
           </a:p>
@@ -419,7 +419,7 @@
           <a:p>
             <a:fld id="{BD6D4E31-DC38-4656-BF0E-E6CCECC6080A}" type="datetimeFigureOut">
               <a:rPr lang="en-US" smtClean="0"/>
-              <a:t>1/8/2022</a:t>
+              <a:t>1/12/2022</a:t>
             </a:fld>
             <a:endParaRPr lang="en-US"/>
           </a:p>
@@ -599,7 +599,7 @@
           <a:p>
             <a:fld id="{BD6D4E31-DC38-4656-BF0E-E6CCECC6080A}" type="datetimeFigureOut">
               <a:rPr lang="en-US" smtClean="0"/>
-              <a:t>1/8/2022</a:t>
+              <a:t>1/12/2022</a:t>
             </a:fld>
             <a:endParaRPr lang="en-US"/>
           </a:p>
@@ -769,7 +769,7 @@
           <a:p>
             <a:fld id="{BD6D4E31-DC38-4656-BF0E-E6CCECC6080A}" type="datetimeFigureOut">
               <a:rPr lang="en-US" smtClean="0"/>
-              <a:t>1/8/2022</a:t>
+              <a:t>1/12/2022</a:t>
             </a:fld>
             <a:endParaRPr lang="en-US"/>
           </a:p>
@@ -1015,7 +1015,7 @@
           <a:p>
             <a:fld id="{BD6D4E31-DC38-4656-BF0E-E6CCECC6080A}" type="datetimeFigureOut">
               <a:rPr lang="en-US" smtClean="0"/>
-              <a:t>1/8/2022</a:t>
+              <a:t>1/12/2022</a:t>
             </a:fld>
             <a:endParaRPr lang="en-US"/>
           </a:p>
@@ -1247,7 +1247,7 @@
           <a:p>
             <a:fld id="{BD6D4E31-DC38-4656-BF0E-E6CCECC6080A}" type="datetimeFigureOut">
               <a:rPr lang="en-US" smtClean="0"/>
-              <a:t>1/8/2022</a:t>
+              <a:t>1/12/2022</a:t>
             </a:fld>
             <a:endParaRPr lang="en-US"/>
           </a:p>
@@ -1614,7 +1614,7 @@
           <a:p>
             <a:fld id="{BD6D4E31-DC38-4656-BF0E-E6CCECC6080A}" type="datetimeFigureOut">
               <a:rPr lang="en-US" smtClean="0"/>
-              <a:t>1/8/2022</a:t>
+              <a:t>1/12/2022</a:t>
             </a:fld>
             <a:endParaRPr lang="en-US"/>
           </a:p>
@@ -1732,7 +1732,7 @@
           <a:p>
             <a:fld id="{BD6D4E31-DC38-4656-BF0E-E6CCECC6080A}" type="datetimeFigureOut">
               <a:rPr lang="en-US" smtClean="0"/>
-              <a:t>1/8/2022</a:t>
+              <a:t>1/12/2022</a:t>
             </a:fld>
             <a:endParaRPr lang="en-US"/>
           </a:p>
@@ -1827,7 +1827,7 @@
           <a:p>
             <a:fld id="{BD6D4E31-DC38-4656-BF0E-E6CCECC6080A}" type="datetimeFigureOut">
               <a:rPr lang="en-US" smtClean="0"/>
-              <a:t>1/8/2022</a:t>
+              <a:t>1/12/2022</a:t>
             </a:fld>
             <a:endParaRPr lang="en-US"/>
           </a:p>
@@ -2104,7 +2104,7 @@
           <a:p>
             <a:fld id="{BD6D4E31-DC38-4656-BF0E-E6CCECC6080A}" type="datetimeFigureOut">
               <a:rPr lang="en-US" smtClean="0"/>
-              <a:t>1/8/2022</a:t>
+              <a:t>1/12/2022</a:t>
             </a:fld>
             <a:endParaRPr lang="en-US"/>
           </a:p>
@@ -2357,7 +2357,7 @@
           <a:p>
             <a:fld id="{BD6D4E31-DC38-4656-BF0E-E6CCECC6080A}" type="datetimeFigureOut">
               <a:rPr lang="en-US" smtClean="0"/>
-              <a:t>1/8/2022</a:t>
+              <a:t>1/12/2022</a:t>
             </a:fld>
             <a:endParaRPr lang="en-US"/>
           </a:p>
@@ -2570,7 +2570,7 @@
           <a:p>
             <a:fld id="{BD6D4E31-DC38-4656-BF0E-E6CCECC6080A}" type="datetimeFigureOut">
               <a:rPr lang="en-US" smtClean="0"/>
-              <a:t>1/8/2022</a:t>
+              <a:t>1/12/2022</a:t>
             </a:fld>
             <a:endParaRPr lang="en-US"/>
           </a:p>
@@ -3844,8 +3844,40 @@
                 <a:latin typeface="Times New Roman" panose="02020603050405020304" pitchFamily="18" charset="0"/>
                 <a:cs typeface="Times New Roman" panose="02020603050405020304" pitchFamily="18" charset="0"/>
               </a:rPr>
-              <a:t>Tools:</a:t>
-            </a:r>
+              <a:t>Tools </a:t>
+            </a:r>
+            <a:r>
+              <a:rPr lang="en-US" dirty="0" err="1" smtClean="0">
+                <a:latin typeface="Times New Roman" panose="02020603050405020304" pitchFamily="18" charset="0"/>
+                <a:cs typeface="Times New Roman" panose="02020603050405020304" pitchFamily="18" charset="0"/>
+              </a:rPr>
+              <a:t>hiện</a:t>
+            </a:r>
+            <a:r>
+              <a:rPr lang="en-US" dirty="0" smtClean="0">
+                <a:latin typeface="Times New Roman" panose="02020603050405020304" pitchFamily="18" charset="0"/>
+                <a:cs typeface="Times New Roman" panose="02020603050405020304" pitchFamily="18" charset="0"/>
+              </a:rPr>
+              <a:t> </a:t>
+            </a:r>
+            <a:r>
+              <a:rPr lang="en-US" dirty="0" err="1" smtClean="0">
+                <a:latin typeface="Times New Roman" panose="02020603050405020304" pitchFamily="18" charset="0"/>
+                <a:cs typeface="Times New Roman" panose="02020603050405020304" pitchFamily="18" charset="0"/>
+              </a:rPr>
+              <a:t>tại</a:t>
+            </a:r>
+            <a:r>
+              <a:rPr lang="en-US" dirty="0" smtClean="0">
+                <a:latin typeface="Times New Roman" panose="02020603050405020304" pitchFamily="18" charset="0"/>
+                <a:cs typeface="Times New Roman" panose="02020603050405020304" pitchFamily="18" charset="0"/>
+              </a:rPr>
+              <a:t>:</a:t>
+            </a:r>
+            <a:endParaRPr lang="en-US" dirty="0" smtClean="0">
+              <a:latin typeface="Times New Roman" panose="02020603050405020304" pitchFamily="18" charset="0"/>
+              <a:cs typeface="Times New Roman" panose="02020603050405020304" pitchFamily="18" charset="0"/>
+            </a:endParaRPr>
           </a:p>
           <a:p>
             <a:pPr>
@@ -3864,8 +3896,19 @@
                 <a:latin typeface="Times New Roman" panose="02020603050405020304" pitchFamily="18" charset="0"/>
                 <a:cs typeface="Times New Roman" panose="02020603050405020304" pitchFamily="18" charset="0"/>
               </a:rPr>
-              <a:t>performance</a:t>
-            </a:r>
+              <a:t>performance: Prometheus + </a:t>
+            </a:r>
+            <a:r>
+              <a:rPr lang="en-US" dirty="0" err="1" smtClean="0">
+                <a:latin typeface="Times New Roman" panose="02020603050405020304" pitchFamily="18" charset="0"/>
+                <a:cs typeface="Times New Roman" panose="02020603050405020304" pitchFamily="18" charset="0"/>
+              </a:rPr>
+              <a:t>Grafana</a:t>
+            </a:r>
+            <a:endParaRPr lang="en-US" dirty="0" smtClean="0">
+              <a:latin typeface="Times New Roman" panose="02020603050405020304" pitchFamily="18" charset="0"/>
+              <a:cs typeface="Times New Roman" panose="02020603050405020304" pitchFamily="18" charset="0"/>
+            </a:endParaRPr>
           </a:p>
           <a:p>
             <a:pPr>
@@ -3877,7 +3920,49 @@
                 <a:latin typeface="Times New Roman" panose="02020603050405020304" pitchFamily="18" charset="0"/>
                 <a:cs typeface="Times New Roman" panose="02020603050405020304" pitchFamily="18" charset="0"/>
               </a:rPr>
-              <a:t>centralized logging</a:t>
+              <a:t>centralized </a:t>
+            </a:r>
+            <a:r>
+              <a:rPr lang="en-US" dirty="0" smtClean="0">
+                <a:latin typeface="Times New Roman" panose="02020603050405020304" pitchFamily="18" charset="0"/>
+                <a:cs typeface="Times New Roman" panose="02020603050405020304" pitchFamily="18" charset="0"/>
+              </a:rPr>
+              <a:t>logging: </a:t>
+            </a:r>
+            <a:r>
+              <a:rPr lang="en-US" dirty="0" err="1" smtClean="0">
+                <a:latin typeface="Times New Roman" panose="02020603050405020304" pitchFamily="18" charset="0"/>
+                <a:cs typeface="Times New Roman" panose="02020603050405020304" pitchFamily="18" charset="0"/>
+              </a:rPr>
+              <a:t>Logstash</a:t>
+            </a:r>
+            <a:r>
+              <a:rPr lang="en-US" dirty="0" smtClean="0">
+                <a:latin typeface="Times New Roman" panose="02020603050405020304" pitchFamily="18" charset="0"/>
+                <a:cs typeface="Times New Roman" panose="02020603050405020304" pitchFamily="18" charset="0"/>
+              </a:rPr>
+              <a:t>, Beats + </a:t>
+            </a:r>
+            <a:r>
+              <a:rPr lang="en-US" dirty="0" err="1" smtClean="0">
+                <a:latin typeface="Times New Roman" panose="02020603050405020304" pitchFamily="18" charset="0"/>
+                <a:cs typeface="Times New Roman" panose="02020603050405020304" pitchFamily="18" charset="0"/>
+              </a:rPr>
+              <a:t>ElasticSearch</a:t>
+            </a:r>
+            <a:r>
+              <a:rPr lang="en-US" dirty="0" smtClean="0">
+                <a:latin typeface="Times New Roman" panose="02020603050405020304" pitchFamily="18" charset="0"/>
+                <a:cs typeface="Times New Roman" panose="02020603050405020304" pitchFamily="18" charset="0"/>
+              </a:rPr>
+              <a:t> + </a:t>
+            </a:r>
+            <a:r>
+              <a:rPr lang="en-US" dirty="0" err="1" smtClean="0">
+                <a:latin typeface="Times New Roman" panose="02020603050405020304" pitchFamily="18" charset="0"/>
+                <a:cs typeface="Times New Roman" panose="02020603050405020304" pitchFamily="18" charset="0"/>
+              </a:rPr>
+              <a:t>Kibana</a:t>
             </a:r>
             <a:endParaRPr lang="en-US" dirty="0" smtClean="0">
               <a:latin typeface="Times New Roman" panose="02020603050405020304" pitchFamily="18" charset="0"/>
@@ -3894,8 +3979,26 @@
                 <a:latin typeface="Times New Roman" panose="02020603050405020304" pitchFamily="18" charset="0"/>
                 <a:cs typeface="Times New Roman" panose="02020603050405020304" pitchFamily="18" charset="0"/>
               </a:rPr>
-              <a:t>distributed tracing</a:t>
-            </a:r>
+              <a:t>distributed </a:t>
+            </a:r>
+            <a:r>
+              <a:rPr lang="en-US" dirty="0" smtClean="0">
+                <a:latin typeface="Times New Roman" panose="02020603050405020304" pitchFamily="18" charset="0"/>
+                <a:cs typeface="Times New Roman" panose="02020603050405020304" pitchFamily="18" charset="0"/>
+              </a:rPr>
+              <a:t>tracing: </a:t>
+            </a:r>
+            <a:r>
+              <a:rPr lang="en-US" dirty="0" err="1" smtClean="0">
+                <a:latin typeface="Times New Roman" panose="02020603050405020304" pitchFamily="18" charset="0"/>
+                <a:cs typeface="Times New Roman" panose="02020603050405020304" pitchFamily="18" charset="0"/>
+              </a:rPr>
+              <a:t>Jeager</a:t>
+            </a:r>
+            <a:endParaRPr lang="en-US" dirty="0" smtClean="0">
+              <a:latin typeface="Times New Roman" panose="02020603050405020304" pitchFamily="18" charset="0"/>
+              <a:cs typeface="Times New Roman" panose="02020603050405020304" pitchFamily="18" charset="0"/>
+            </a:endParaRPr>
           </a:p>
           <a:p>
             <a:pPr lvl="1"/>
@@ -4425,115 +4528,101 @@
                 <a:latin typeface="Times New Roman" panose="02020603050405020304" pitchFamily="18" charset="0"/>
                 <a:cs typeface="Times New Roman" panose="02020603050405020304" pitchFamily="18" charset="0"/>
               </a:rPr>
-              <a:t>racing </a:t>
+              <a:t>racing (</a:t>
+            </a:r>
+            <a:r>
+              <a:rPr lang="en-US" sz="2000" dirty="0" smtClean="0">
+                <a:latin typeface="Times New Roman" panose="02020603050405020304" pitchFamily="18" charset="0"/>
+                <a:cs typeface="Times New Roman" panose="02020603050405020304" pitchFamily="18" charset="0"/>
+              </a:rPr>
+              <a:t>trace </a:t>
+            </a:r>
+            <a:r>
+              <a:rPr lang="en-US" sz="2000" dirty="0" err="1" smtClean="0">
+                <a:latin typeface="Times New Roman" panose="02020603050405020304" pitchFamily="18" charset="0"/>
+                <a:cs typeface="Times New Roman" panose="02020603050405020304" pitchFamily="18" charset="0"/>
+              </a:rPr>
+              <a:t>lỗi</a:t>
+            </a:r>
+            <a:r>
+              <a:rPr lang="en-US" sz="2000" dirty="0" smtClean="0">
+                <a:latin typeface="Times New Roman" panose="02020603050405020304" pitchFamily="18" charset="0"/>
+                <a:cs typeface="Times New Roman" panose="02020603050405020304" pitchFamily="18" charset="0"/>
+              </a:rPr>
+              <a:t> do serves </a:t>
+            </a:r>
+            <a:r>
+              <a:rPr lang="en-US" sz="2000" dirty="0" err="1" smtClean="0">
+                <a:latin typeface="Times New Roman" panose="02020603050405020304" pitchFamily="18" charset="0"/>
+                <a:cs typeface="Times New Roman" panose="02020603050405020304" pitchFamily="18" charset="0"/>
+              </a:rPr>
+              <a:t>chậm</a:t>
+            </a:r>
+            <a:r>
+              <a:rPr lang="en-US" sz="2000" dirty="0" smtClean="0">
+                <a:latin typeface="Times New Roman" panose="02020603050405020304" pitchFamily="18" charset="0"/>
+                <a:cs typeface="Times New Roman" panose="02020603050405020304" pitchFamily="18" charset="0"/>
+              </a:rPr>
+              <a:t>, </a:t>
+            </a:r>
+            <a:r>
+              <a:rPr lang="en-US" sz="2000" dirty="0" err="1" smtClean="0">
+                <a:latin typeface="Times New Roman" panose="02020603050405020304" pitchFamily="18" charset="0"/>
+                <a:cs typeface="Times New Roman" panose="02020603050405020304" pitchFamily="18" charset="0"/>
+              </a:rPr>
+              <a:t>bị</a:t>
+            </a:r>
+            <a:r>
+              <a:rPr lang="en-US" sz="2000" dirty="0" smtClean="0">
+                <a:latin typeface="Times New Roman" panose="02020603050405020304" pitchFamily="18" charset="0"/>
+                <a:cs typeface="Times New Roman" panose="02020603050405020304" pitchFamily="18" charset="0"/>
+              </a:rPr>
+              <a:t> crash, network outage, …</a:t>
             </a:r>
             <a:r>
               <a:rPr lang="vi-VN" sz="2000" dirty="0" smtClean="0">
                 <a:latin typeface="Times New Roman" panose="02020603050405020304" pitchFamily="18" charset="0"/>
                 <a:cs typeface="Times New Roman" panose="02020603050405020304" pitchFamily="18" charset="0"/>
               </a:rPr>
-              <a:t>(</a:t>
+              <a:t>) </a:t>
             </a:r>
             <a:r>
               <a:rPr lang="en-US" sz="2000" dirty="0" smtClean="0">
                 <a:latin typeface="Times New Roman" panose="02020603050405020304" pitchFamily="18" charset="0"/>
                 <a:cs typeface="Times New Roman" panose="02020603050405020304" pitchFamily="18" charset="0"/>
               </a:rPr>
-              <a:t>trace </a:t>
+              <a:t> (</a:t>
             </a:r>
             <a:r>
               <a:rPr lang="en-US" sz="2000" dirty="0" err="1" smtClean="0">
                 <a:latin typeface="Times New Roman" panose="02020603050405020304" pitchFamily="18" charset="0"/>
                 <a:cs typeface="Times New Roman" panose="02020603050405020304" pitchFamily="18" charset="0"/>
               </a:rPr>
-              <a:t>lỗi</a:t>
+              <a:t>Jeager</a:t>
             </a:r>
             <a:r>
               <a:rPr lang="en-US" sz="2000" dirty="0" smtClean="0">
                 <a:latin typeface="Times New Roman" panose="02020603050405020304" pitchFamily="18" charset="0"/>
                 <a:cs typeface="Times New Roman" panose="02020603050405020304" pitchFamily="18" charset="0"/>
               </a:rPr>
-              <a:t> do serves </a:t>
-            </a:r>
-            <a:r>
-              <a:rPr lang="en-US" sz="2000" dirty="0" err="1" smtClean="0">
-                <a:latin typeface="Times New Roman" panose="02020603050405020304" pitchFamily="18" charset="0"/>
-                <a:cs typeface="Times New Roman" panose="02020603050405020304" pitchFamily="18" charset="0"/>
-              </a:rPr>
-              <a:t>chậm</a:t>
-            </a:r>
+              <a:t>)</a:t>
+            </a:r>
+          </a:p>
+          <a:p>
+            <a:pPr lvl="1"/>
             <a:r>
               <a:rPr lang="en-US" sz="2000" dirty="0" smtClean="0">
                 <a:latin typeface="Times New Roman" panose="02020603050405020304" pitchFamily="18" charset="0"/>
                 <a:cs typeface="Times New Roman" panose="02020603050405020304" pitchFamily="18" charset="0"/>
               </a:rPr>
-              <a:t>, </a:t>
-            </a:r>
-            <a:r>
-              <a:rPr lang="en-US" sz="2000" dirty="0" err="1" smtClean="0">
-                <a:latin typeface="Times New Roman" panose="02020603050405020304" pitchFamily="18" charset="0"/>
-                <a:cs typeface="Times New Roman" panose="02020603050405020304" pitchFamily="18" charset="0"/>
-              </a:rPr>
-              <a:t>bị</a:t>
-            </a:r>
-            <a:r>
-              <a:rPr lang="en-US" sz="2000" dirty="0" smtClean="0">
-                <a:latin typeface="Times New Roman" panose="02020603050405020304" pitchFamily="18" charset="0"/>
-                <a:cs typeface="Times New Roman" panose="02020603050405020304" pitchFamily="18" charset="0"/>
-              </a:rPr>
-              <a:t> crash, network outage, …</a:t>
+              <a:t>Logs</a:t>
             </a:r>
             <a:r>
               <a:rPr lang="vi-VN" sz="2000" dirty="0" smtClean="0">
                 <a:latin typeface="Times New Roman" panose="02020603050405020304" pitchFamily="18" charset="0"/>
                 <a:cs typeface="Times New Roman" panose="02020603050405020304" pitchFamily="18" charset="0"/>
               </a:rPr>
-              <a:t>) </a:t>
-            </a:r>
-            <a:r>
-              <a:rPr lang="en-US" sz="2000" dirty="0" smtClean="0">
-                <a:latin typeface="Times New Roman" panose="02020603050405020304" pitchFamily="18" charset="0"/>
-                <a:cs typeface="Times New Roman" panose="02020603050405020304" pitchFamily="18" charset="0"/>
-              </a:rPr>
               <a:t> (</a:t>
-            </a:r>
-            <a:r>
-              <a:rPr lang="en-US" sz="2000" dirty="0" err="1" smtClean="0">
-                <a:latin typeface="Times New Roman" panose="02020603050405020304" pitchFamily="18" charset="0"/>
-                <a:cs typeface="Times New Roman" panose="02020603050405020304" pitchFamily="18" charset="0"/>
-              </a:rPr>
-              <a:t>Jeager</a:t>
-            </a:r>
-            <a:r>
-              <a:rPr lang="en-US" sz="2000" dirty="0" smtClean="0">
-                <a:latin typeface="Times New Roman" panose="02020603050405020304" pitchFamily="18" charset="0"/>
-                <a:cs typeface="Times New Roman" panose="02020603050405020304" pitchFamily="18" charset="0"/>
-              </a:rPr>
-              <a:t>)</a:t>
-            </a:r>
-          </a:p>
-          <a:p>
-            <a:pPr lvl="1"/>
-            <a:r>
-              <a:rPr lang="en-US" sz="2000" dirty="0" smtClean="0">
-                <a:latin typeface="Times New Roman" panose="02020603050405020304" pitchFamily="18" charset="0"/>
-                <a:cs typeface="Times New Roman" panose="02020603050405020304" pitchFamily="18" charset="0"/>
-              </a:rPr>
-              <a:t>Logs</a:t>
-            </a:r>
-            <a:r>
-              <a:rPr lang="vi-VN" sz="2000" dirty="0" smtClean="0">
-                <a:latin typeface="Times New Roman" panose="02020603050405020304" pitchFamily="18" charset="0"/>
-                <a:cs typeface="Times New Roman" panose="02020603050405020304" pitchFamily="18" charset="0"/>
-              </a:rPr>
-              <a:t> </a:t>
-            </a:r>
-            <a:r>
-              <a:rPr lang="vi-VN" sz="2000" dirty="0" smtClean="0">
-                <a:latin typeface="Times New Roman" panose="02020603050405020304" pitchFamily="18" charset="0"/>
-                <a:cs typeface="Times New Roman" panose="02020603050405020304" pitchFamily="18" charset="0"/>
-              </a:rPr>
-              <a:t>(</a:t>
             </a:r>
             <a:r>
               <a:rPr lang="en-US" sz="2000" dirty="0" err="1" smtClean="0">
@@ -4706,6 +4795,91 @@
               <a:t>Opentelemtry</a:t>
             </a:r>
             <a:endParaRPr lang="en-US" dirty="0"/>
+          </a:p>
+        </p:txBody>
+      </p:sp>
+      <p:sp>
+        <p:nvSpPr>
+          <p:cNvPr id="5" name="Rectangle 4"/>
+          <p:cNvSpPr/>
+          <p:nvPr/>
+        </p:nvSpPr>
+        <p:spPr>
+          <a:xfrm>
+            <a:off x="2723534" y="6061461"/>
+            <a:ext cx="796413" cy="324464"/>
+          </a:xfrm>
+          <a:prstGeom prst="rect">
+            <a:avLst/>
+          </a:prstGeom>
+        </p:spPr>
+        <p:style>
+          <a:lnRef idx="2">
+            <a:schemeClr val="accent1">
+              <a:shade val="50000"/>
+            </a:schemeClr>
+          </a:lnRef>
+          <a:fillRef idx="1">
+            <a:schemeClr val="accent1"/>
+          </a:fillRef>
+          <a:effectRef idx="0">
+            <a:schemeClr val="accent1"/>
+          </a:effectRef>
+          <a:fontRef idx="minor">
+            <a:schemeClr val="lt1"/>
+          </a:fontRef>
+        </p:style>
+        <p:txBody>
+          <a:bodyPr rtlCol="0" anchor="ctr"/>
+          <a:lstStyle/>
+          <a:p>
+            <a:pPr algn="ctr"/>
+            <a:r>
+              <a:rPr lang="en-US" dirty="0" smtClean="0"/>
+              <a:t>agent</a:t>
+            </a:r>
+            <a:endParaRPr lang="en-US" dirty="0"/>
+          </a:p>
+        </p:txBody>
+      </p:sp>
+      <p:sp>
+        <p:nvSpPr>
+          <p:cNvPr id="6" name="Rectangle 5"/>
+          <p:cNvSpPr/>
+          <p:nvPr/>
+        </p:nvSpPr>
+        <p:spPr>
+          <a:xfrm>
+            <a:off x="7464310" y="6550223"/>
+            <a:ext cx="2615524" cy="307777"/>
+          </a:xfrm>
+          <a:prstGeom prst="rect">
+            <a:avLst/>
+          </a:prstGeom>
+        </p:spPr>
+        <p:txBody>
+          <a:bodyPr wrap="none">
+            <a:spAutoFit/>
+          </a:bodyPr>
+          <a:lstStyle/>
+          <a:p>
+            <a:r>
+              <a:rPr lang="en-US" sz="1400" dirty="0">
+                <a:hlinkClick r:id="rId3"/>
+              </a:rPr>
+              <a:t>https://opentelemetry.io/status</a:t>
+            </a:r>
+            <a:r>
+              <a:rPr lang="en-US" sz="1400" dirty="0" smtClean="0">
+                <a:hlinkClick r:id="rId3"/>
+              </a:rPr>
+              <a:t>/</a:t>
+            </a:r>
+            <a:r>
+              <a:rPr lang="en-US" sz="1400" dirty="0" smtClean="0"/>
+              <a:t> </a:t>
+            </a:r>
+            <a:endParaRPr lang="en-US" sz="1400" dirty="0"/>
           </a:p>
         </p:txBody>
       </p:sp>
@@ -6496,6 +6670,20 @@
                 <a:latin typeface="Times New Roman" panose="02020603050405020304" pitchFamily="18" charset="0"/>
                 <a:cs typeface="Times New Roman" panose="02020603050405020304" pitchFamily="18" charset="0"/>
               </a:rPr>
+              <a:t>chạy</a:t>
+            </a:r>
+            <a:r>
+              <a:rPr lang="en-US" sz="2000" dirty="0" smtClean="0">
+                <a:latin typeface="Times New Roman" panose="02020603050405020304" pitchFamily="18" charset="0"/>
+                <a:cs typeface="Times New Roman" panose="02020603050405020304" pitchFamily="18" charset="0"/>
+              </a:rPr>
+              <a:t> </a:t>
+            </a:r>
+            <a:r>
+              <a:rPr lang="en-US" sz="2000" dirty="0" err="1" smtClean="0">
+                <a:latin typeface="Times New Roman" panose="02020603050405020304" pitchFamily="18" charset="0"/>
+                <a:cs typeface="Times New Roman" panose="02020603050405020304" pitchFamily="18" charset="0"/>
+              </a:rPr>
               <a:t>theo</a:t>
             </a:r>
             <a:r>
@@ -6503,7 +6691,14 @@
                 <a:latin typeface="Times New Roman" panose="02020603050405020304" pitchFamily="18" charset="0"/>
                 <a:cs typeface="Times New Roman" panose="02020603050405020304" pitchFamily="18" charset="0"/>
               </a:rPr>
-              <a:t> schedule</a:t>
+              <a:t> </a:t>
+            </a:r>
+            <a:r>
+              <a:rPr lang="en-US" sz="2000" dirty="0" smtClean="0">
+                <a:latin typeface="Times New Roman" panose="02020603050405020304" pitchFamily="18" charset="0"/>
+                <a:cs typeface="Times New Roman" panose="02020603050405020304" pitchFamily="18" charset="0"/>
+              </a:rPr>
+              <a:t>schedule</a:t>
             </a:r>
           </a:p>
           <a:p>
@@ -6852,6 +7047,47 @@
               <a:latin typeface="Times New Roman" panose="02020603050405020304" pitchFamily="18" charset="0"/>
               <a:cs typeface="Times New Roman" panose="02020603050405020304" pitchFamily="18" charset="0"/>
             </a:endParaRPr>
+          </a:p>
+        </p:txBody>
+      </p:sp>
+      <p:sp>
+        <p:nvSpPr>
+          <p:cNvPr id="5" name="Rectangle 4"/>
+          <p:cNvSpPr/>
+          <p:nvPr/>
+        </p:nvSpPr>
+        <p:spPr>
+          <a:xfrm>
+            <a:off x="3559480" y="6377833"/>
+            <a:ext cx="8384767" cy="276999"/>
+          </a:xfrm>
+          <a:prstGeom prst="rect">
+            <a:avLst/>
+          </a:prstGeom>
+        </p:spPr>
+        <p:txBody>
+          <a:bodyPr wrap="square">
+            <a:spAutoFit/>
+          </a:bodyPr>
+          <a:lstStyle/>
+          <a:p>
+            <a:r>
+              <a:rPr lang="en-US" sz="1200" dirty="0">
+                <a:hlinkClick r:id="rId3"/>
+              </a:rPr>
+              <a:t>https://</a:t>
+            </a:r>
+            <a:r>
+              <a:rPr lang="en-US" sz="1200" dirty="0" smtClean="0">
+                <a:hlinkClick r:id="rId3"/>
+              </a:rPr>
+              <a:t>medium.com/swlh/alpine-slim-stretch-buster-jessie-bullseye-bookworm-what-are-the-differences-in-docker-62171ed4531d</a:t>
+            </a:r>
+            <a:r>
+              <a:rPr lang="en-US" sz="1200" dirty="0" smtClean="0"/>
+              <a:t> </a:t>
+            </a:r>
+            <a:endParaRPr lang="en-US" sz="1200" dirty="0"/>
           </a:p>
         </p:txBody>
       </p:sp>

--- a/module-6/Choosing-a-Microservices-Deployment-Strategy.pptx
+++ b/module-6/Choosing-a-Microservices-Deployment-Strategy.pptx
@@ -4,6 +4,9 @@
   <p:sldMasterIdLst>
     <p:sldMasterId id="2147483648" r:id="rId1"/>
   </p:sldMasterIdLst>
+  <p:notesMasterIdLst>
+    <p:notesMasterId r:id="rId9"/>
+  </p:notesMasterIdLst>
   <p:sldIdLst>
     <p:sldId id="256" r:id="rId2"/>
     <p:sldId id="257" r:id="rId3"/>
@@ -116,6 +119,524 @@
     </p:ext>
   </p:extLst>
 </p:presentation>
+</file>
+
+<file path=ppt/notesMasters/notesMaster1.xml><?xml version="1.0" encoding="utf-8"?>
+<p:notesMaster xmlns:a="http://schemas.openxmlformats.org/drawingml/2006/main" xmlns:r="http://schemas.openxmlformats.org/officeDocument/2006/relationships" xmlns:p="http://schemas.openxmlformats.org/presentationml/2006/main">
+  <p:cSld>
+    <p:bg>
+      <p:bgRef idx="1001">
+        <a:schemeClr val="bg1"/>
+      </p:bgRef>
+    </p:bg>
+    <p:spTree>
+      <p:nvGrpSpPr>
+        <p:cNvPr id="1" name=""/>
+        <p:cNvGrpSpPr/>
+        <p:nvPr/>
+      </p:nvGrpSpPr>
+      <p:grpSpPr>
+        <a:xfrm>
+          <a:off x="0" y="0"/>
+          <a:ext cx="0" cy="0"/>
+          <a:chOff x="0" y="0"/>
+          <a:chExt cx="0" cy="0"/>
+        </a:xfrm>
+      </p:grpSpPr>
+      <p:sp>
+        <p:nvSpPr>
+          <p:cNvPr id="2" name="Header Placeholder 1"/>
+          <p:cNvSpPr>
+            <a:spLocks noGrp="1"/>
+          </p:cNvSpPr>
+          <p:nvPr>
+            <p:ph type="hdr" sz="quarter"/>
+          </p:nvPr>
+        </p:nvSpPr>
+        <p:spPr>
+          <a:xfrm>
+            <a:off x="0" y="0"/>
+            <a:ext cx="2971800" cy="458788"/>
+          </a:xfrm>
+          <a:prstGeom prst="rect">
+            <a:avLst/>
+          </a:prstGeom>
+        </p:spPr>
+        <p:txBody>
+          <a:bodyPr vert="horz" lIns="91440" tIns="45720" rIns="91440" bIns="45720" rtlCol="0"/>
+          <a:lstStyle>
+            <a:lvl1pPr algn="l">
+              <a:defRPr sz="1200"/>
+            </a:lvl1pPr>
+          </a:lstStyle>
+          <a:p>
+            <a:endParaRPr lang="en-US"/>
+          </a:p>
+        </p:txBody>
+      </p:sp>
+      <p:sp>
+        <p:nvSpPr>
+          <p:cNvPr id="3" name="Date Placeholder 2"/>
+          <p:cNvSpPr>
+            <a:spLocks noGrp="1"/>
+          </p:cNvSpPr>
+          <p:nvPr>
+            <p:ph type="dt" idx="1"/>
+          </p:nvPr>
+        </p:nvSpPr>
+        <p:spPr>
+          <a:xfrm>
+            <a:off x="3884613" y="0"/>
+            <a:ext cx="2971800" cy="458788"/>
+          </a:xfrm>
+          <a:prstGeom prst="rect">
+            <a:avLst/>
+          </a:prstGeom>
+        </p:spPr>
+        <p:txBody>
+          <a:bodyPr vert="horz" lIns="91440" tIns="45720" rIns="91440" bIns="45720" rtlCol="0"/>
+          <a:lstStyle>
+            <a:lvl1pPr algn="r">
+              <a:defRPr sz="1200"/>
+            </a:lvl1pPr>
+          </a:lstStyle>
+          <a:p>
+            <a:fld id="{A65AAD68-ED85-4EC7-98BC-4C6E9A434CCF}" type="datetimeFigureOut">
+              <a:rPr lang="en-US" smtClean="0"/>
+              <a:t>1/13/2022</a:t>
+            </a:fld>
+            <a:endParaRPr lang="en-US"/>
+          </a:p>
+        </p:txBody>
+      </p:sp>
+      <p:sp>
+        <p:nvSpPr>
+          <p:cNvPr id="4" name="Slide Image Placeholder 3"/>
+          <p:cNvSpPr>
+            <a:spLocks noGrp="1" noRot="1" noChangeAspect="1"/>
+          </p:cNvSpPr>
+          <p:nvPr>
+            <p:ph type="sldImg" idx="2"/>
+          </p:nvPr>
+        </p:nvSpPr>
+        <p:spPr>
+          <a:xfrm>
+            <a:off x="685800" y="1143000"/>
+            <a:ext cx="5486400" cy="3086100"/>
+          </a:xfrm>
+          <a:prstGeom prst="rect">
+            <a:avLst/>
+          </a:prstGeom>
+          <a:noFill/>
+          <a:ln w="12700">
+            <a:solidFill>
+              <a:prstClr val="black"/>
+            </a:solidFill>
+          </a:ln>
+        </p:spPr>
+        <p:txBody>
+          <a:bodyPr vert="horz" lIns="91440" tIns="45720" rIns="91440" bIns="45720" rtlCol="0" anchor="ctr"/>
+          <a:lstStyle/>
+          <a:p>
+            <a:endParaRPr lang="en-US"/>
+          </a:p>
+        </p:txBody>
+      </p:sp>
+      <p:sp>
+        <p:nvSpPr>
+          <p:cNvPr id="5" name="Notes Placeholder 4"/>
+          <p:cNvSpPr>
+            <a:spLocks noGrp="1"/>
+          </p:cNvSpPr>
+          <p:nvPr>
+            <p:ph type="body" sz="quarter" idx="3"/>
+          </p:nvPr>
+        </p:nvSpPr>
+        <p:spPr>
+          <a:xfrm>
+            <a:off x="685800" y="4400550"/>
+            <a:ext cx="5486400" cy="3600450"/>
+          </a:xfrm>
+          <a:prstGeom prst="rect">
+            <a:avLst/>
+          </a:prstGeom>
+        </p:spPr>
+        <p:txBody>
+          <a:bodyPr vert="horz" lIns="91440" tIns="45720" rIns="91440" bIns="45720" rtlCol="0"/>
+          <a:lstStyle/>
+          <a:p>
+            <a:pPr lvl="0"/>
+            <a:r>
+              <a:rPr lang="en-US" smtClean="0"/>
+              <a:t>Edit Master text styles</a:t>
+            </a:r>
+          </a:p>
+          <a:p>
+            <a:pPr lvl="1"/>
+            <a:r>
+              <a:rPr lang="en-US" smtClean="0"/>
+              <a:t>Second level</a:t>
+            </a:r>
+          </a:p>
+          <a:p>
+            <a:pPr lvl="2"/>
+            <a:r>
+              <a:rPr lang="en-US" smtClean="0"/>
+              <a:t>Third level</a:t>
+            </a:r>
+          </a:p>
+          <a:p>
+            <a:pPr lvl="3"/>
+            <a:r>
+              <a:rPr lang="en-US" smtClean="0"/>
+              <a:t>Fourth level</a:t>
+            </a:r>
+          </a:p>
+          <a:p>
+            <a:pPr lvl="4"/>
+            <a:r>
+              <a:rPr lang="en-US" smtClean="0"/>
+              <a:t>Fifth level</a:t>
+            </a:r>
+            <a:endParaRPr lang="en-US"/>
+          </a:p>
+        </p:txBody>
+      </p:sp>
+      <p:sp>
+        <p:nvSpPr>
+          <p:cNvPr id="6" name="Footer Placeholder 5"/>
+          <p:cNvSpPr>
+            <a:spLocks noGrp="1"/>
+          </p:cNvSpPr>
+          <p:nvPr>
+            <p:ph type="ftr" sz="quarter" idx="4"/>
+          </p:nvPr>
+        </p:nvSpPr>
+        <p:spPr>
+          <a:xfrm>
+            <a:off x="0" y="8685213"/>
+            <a:ext cx="2971800" cy="458787"/>
+          </a:xfrm>
+          <a:prstGeom prst="rect">
+            <a:avLst/>
+          </a:prstGeom>
+        </p:spPr>
+        <p:txBody>
+          <a:bodyPr vert="horz" lIns="91440" tIns="45720" rIns="91440" bIns="45720" rtlCol="0" anchor="b"/>
+          <a:lstStyle>
+            <a:lvl1pPr algn="l">
+              <a:defRPr sz="1200"/>
+            </a:lvl1pPr>
+          </a:lstStyle>
+          <a:p>
+            <a:endParaRPr lang="en-US"/>
+          </a:p>
+        </p:txBody>
+      </p:sp>
+      <p:sp>
+        <p:nvSpPr>
+          <p:cNvPr id="7" name="Slide Number Placeholder 6"/>
+          <p:cNvSpPr>
+            <a:spLocks noGrp="1"/>
+          </p:cNvSpPr>
+          <p:nvPr>
+            <p:ph type="sldNum" sz="quarter" idx="5"/>
+          </p:nvPr>
+        </p:nvSpPr>
+        <p:spPr>
+          <a:xfrm>
+            <a:off x="3884613" y="8685213"/>
+            <a:ext cx="2971800" cy="458787"/>
+          </a:xfrm>
+          <a:prstGeom prst="rect">
+            <a:avLst/>
+          </a:prstGeom>
+        </p:spPr>
+        <p:txBody>
+          <a:bodyPr vert="horz" lIns="91440" tIns="45720" rIns="91440" bIns="45720" rtlCol="0" anchor="b"/>
+          <a:lstStyle>
+            <a:lvl1pPr algn="r">
+              <a:defRPr sz="1200"/>
+            </a:lvl1pPr>
+          </a:lstStyle>
+          <a:p>
+            <a:fld id="{54E6D594-443D-48F6-AC5A-23804B4481E9}" type="slidenum">
+              <a:rPr lang="en-US" smtClean="0"/>
+              <a:t>‹#›</a:t>
+            </a:fld>
+            <a:endParaRPr lang="en-US"/>
+          </a:p>
+        </p:txBody>
+      </p:sp>
+    </p:spTree>
+    <p:extLst>
+      <p:ext uri="{BB962C8B-B14F-4D97-AF65-F5344CB8AC3E}">
+        <p14:creationId xmlns:p14="http://schemas.microsoft.com/office/powerpoint/2010/main" val="3675545423"/>
+      </p:ext>
+    </p:extLst>
+  </p:cSld>
+  <p:clrMap bg1="lt1" tx1="dk1" bg2="lt2" tx2="dk2" accent1="accent1" accent2="accent2" accent3="accent3" accent4="accent4" accent5="accent5" accent6="accent6" hlink="hlink" folHlink="folHlink"/>
+  <p:notesStyle>
+    <a:lvl1pPr marL="0" algn="l" defTabSz="914400" rtl="0" eaLnBrk="1" latinLnBrk="0" hangingPunct="1">
+      <a:defRPr sz="1200" kern="1200">
+        <a:solidFill>
+          <a:schemeClr val="tx1"/>
+        </a:solidFill>
+        <a:latin typeface="+mn-lt"/>
+        <a:ea typeface="+mn-ea"/>
+        <a:cs typeface="+mn-cs"/>
+      </a:defRPr>
+    </a:lvl1pPr>
+    <a:lvl2pPr marL="457200" algn="l" defTabSz="914400" rtl="0" eaLnBrk="1" latinLnBrk="0" hangingPunct="1">
+      <a:defRPr sz="1200" kern="1200">
+        <a:solidFill>
+          <a:schemeClr val="tx1"/>
+        </a:solidFill>
+        <a:latin typeface="+mn-lt"/>
+        <a:ea typeface="+mn-ea"/>
+        <a:cs typeface="+mn-cs"/>
+      </a:defRPr>
+    </a:lvl2pPr>
+    <a:lvl3pPr marL="914400" algn="l" defTabSz="914400" rtl="0" eaLnBrk="1" latinLnBrk="0" hangingPunct="1">
+      <a:defRPr sz="1200" kern="1200">
+        <a:solidFill>
+          <a:schemeClr val="tx1"/>
+        </a:solidFill>
+        <a:latin typeface="+mn-lt"/>
+        <a:ea typeface="+mn-ea"/>
+        <a:cs typeface="+mn-cs"/>
+      </a:defRPr>
+    </a:lvl3pPr>
+    <a:lvl4pPr marL="1371600" algn="l" defTabSz="914400" rtl="0" eaLnBrk="1" latinLnBrk="0" hangingPunct="1">
+      <a:defRPr sz="1200" kern="1200">
+        <a:solidFill>
+          <a:schemeClr val="tx1"/>
+        </a:solidFill>
+        <a:latin typeface="+mn-lt"/>
+        <a:ea typeface="+mn-ea"/>
+        <a:cs typeface="+mn-cs"/>
+      </a:defRPr>
+    </a:lvl4pPr>
+    <a:lvl5pPr marL="1828800" algn="l" defTabSz="914400" rtl="0" eaLnBrk="1" latinLnBrk="0" hangingPunct="1">
+      <a:defRPr sz="1200" kern="1200">
+        <a:solidFill>
+          <a:schemeClr val="tx1"/>
+        </a:solidFill>
+        <a:latin typeface="+mn-lt"/>
+        <a:ea typeface="+mn-ea"/>
+        <a:cs typeface="+mn-cs"/>
+      </a:defRPr>
+    </a:lvl5pPr>
+    <a:lvl6pPr marL="2286000" algn="l" defTabSz="914400" rtl="0" eaLnBrk="1" latinLnBrk="0" hangingPunct="1">
+      <a:defRPr sz="1200" kern="1200">
+        <a:solidFill>
+          <a:schemeClr val="tx1"/>
+        </a:solidFill>
+        <a:latin typeface="+mn-lt"/>
+        <a:ea typeface="+mn-ea"/>
+        <a:cs typeface="+mn-cs"/>
+      </a:defRPr>
+    </a:lvl6pPr>
+    <a:lvl7pPr marL="2743200" algn="l" defTabSz="914400" rtl="0" eaLnBrk="1" latinLnBrk="0" hangingPunct="1">
+      <a:defRPr sz="1200" kern="1200">
+        <a:solidFill>
+          <a:schemeClr val="tx1"/>
+        </a:solidFill>
+        <a:latin typeface="+mn-lt"/>
+        <a:ea typeface="+mn-ea"/>
+        <a:cs typeface="+mn-cs"/>
+      </a:defRPr>
+    </a:lvl7pPr>
+    <a:lvl8pPr marL="3200400" algn="l" defTabSz="914400" rtl="0" eaLnBrk="1" latinLnBrk="0" hangingPunct="1">
+      <a:defRPr sz="1200" kern="1200">
+        <a:solidFill>
+          <a:schemeClr val="tx1"/>
+        </a:solidFill>
+        <a:latin typeface="+mn-lt"/>
+        <a:ea typeface="+mn-ea"/>
+        <a:cs typeface="+mn-cs"/>
+      </a:defRPr>
+    </a:lvl8pPr>
+    <a:lvl9pPr marL="3657600" algn="l" defTabSz="914400" rtl="0" eaLnBrk="1" latinLnBrk="0" hangingPunct="1">
+      <a:defRPr sz="1200" kern="1200">
+        <a:solidFill>
+          <a:schemeClr val="tx1"/>
+        </a:solidFill>
+        <a:latin typeface="+mn-lt"/>
+        <a:ea typeface="+mn-ea"/>
+        <a:cs typeface="+mn-cs"/>
+      </a:defRPr>
+    </a:lvl9pPr>
+  </p:notesStyle>
+</p:notesMaster>
+</file>
+
+<file path=ppt/notesSlides/notesSlide1.xml><?xml version="1.0" encoding="utf-8"?>
+<p:notes xmlns:a="http://schemas.openxmlformats.org/drawingml/2006/main" xmlns:r="http://schemas.openxmlformats.org/officeDocument/2006/relationships" xmlns:p="http://schemas.openxmlformats.org/presentationml/2006/main">
+  <p:cSld>
+    <p:spTree>
+      <p:nvGrpSpPr>
+        <p:cNvPr id="1" name=""/>
+        <p:cNvGrpSpPr/>
+        <p:nvPr/>
+      </p:nvGrpSpPr>
+      <p:grpSpPr>
+        <a:xfrm>
+          <a:off x="0" y="0"/>
+          <a:ext cx="0" cy="0"/>
+          <a:chOff x="0" y="0"/>
+          <a:chExt cx="0" cy="0"/>
+        </a:xfrm>
+      </p:grpSpPr>
+      <p:sp>
+        <p:nvSpPr>
+          <p:cNvPr id="2" name="Slide Image Placeholder 1"/>
+          <p:cNvSpPr>
+            <a:spLocks noGrp="1" noRot="1" noChangeAspect="1"/>
+          </p:cNvSpPr>
+          <p:nvPr>
+            <p:ph type="sldImg"/>
+          </p:nvPr>
+        </p:nvSpPr>
+        <p:spPr/>
+      </p:sp>
+      <p:sp>
+        <p:nvSpPr>
+          <p:cNvPr id="3" name="Notes Placeholder 2"/>
+          <p:cNvSpPr>
+            <a:spLocks noGrp="1"/>
+          </p:cNvSpPr>
+          <p:nvPr>
+            <p:ph type="body" idx="1"/>
+          </p:nvPr>
+        </p:nvSpPr>
+        <p:spPr/>
+        <p:txBody>
+          <a:bodyPr/>
+          <a:lstStyle/>
+          <a:p>
+            <a:endParaRPr lang="en-US" dirty="0"/>
+          </a:p>
+        </p:txBody>
+      </p:sp>
+      <p:sp>
+        <p:nvSpPr>
+          <p:cNvPr id="4" name="Slide Number Placeholder 3"/>
+          <p:cNvSpPr>
+            <a:spLocks noGrp="1"/>
+          </p:cNvSpPr>
+          <p:nvPr>
+            <p:ph type="sldNum" sz="quarter" idx="10"/>
+          </p:nvPr>
+        </p:nvSpPr>
+        <p:spPr/>
+        <p:txBody>
+          <a:bodyPr/>
+          <a:lstStyle/>
+          <a:p>
+            <a:fld id="{54E6D594-443D-48F6-AC5A-23804B4481E9}" type="slidenum">
+              <a:rPr lang="en-US" smtClean="0"/>
+              <a:t>2</a:t>
+            </a:fld>
+            <a:endParaRPr lang="en-US"/>
+          </a:p>
+        </p:txBody>
+      </p:sp>
+    </p:spTree>
+    <p:extLst>
+      <p:ext uri="{BB962C8B-B14F-4D97-AF65-F5344CB8AC3E}">
+        <p14:creationId xmlns:p14="http://schemas.microsoft.com/office/powerpoint/2010/main" val="195263793"/>
+      </p:ext>
+    </p:extLst>
+  </p:cSld>
+  <p:clrMapOvr>
+    <a:masterClrMapping/>
+  </p:clrMapOvr>
+</p:notes>
+</file>
+
+<file path=ppt/notesSlides/notesSlide2.xml><?xml version="1.0" encoding="utf-8"?>
+<p:notes xmlns:a="http://schemas.openxmlformats.org/drawingml/2006/main" xmlns:r="http://schemas.openxmlformats.org/officeDocument/2006/relationships" xmlns:p="http://schemas.openxmlformats.org/presentationml/2006/main">
+  <p:cSld>
+    <p:spTree>
+      <p:nvGrpSpPr>
+        <p:cNvPr id="1" name=""/>
+        <p:cNvGrpSpPr/>
+        <p:nvPr/>
+      </p:nvGrpSpPr>
+      <p:grpSpPr>
+        <a:xfrm>
+          <a:off x="0" y="0"/>
+          <a:ext cx="0" cy="0"/>
+          <a:chOff x="0" y="0"/>
+          <a:chExt cx="0" cy="0"/>
+        </a:xfrm>
+      </p:grpSpPr>
+      <p:sp>
+        <p:nvSpPr>
+          <p:cNvPr id="2" name="Slide Image Placeholder 1"/>
+          <p:cNvSpPr>
+            <a:spLocks noGrp="1" noRot="1" noChangeAspect="1"/>
+          </p:cNvSpPr>
+          <p:nvPr>
+            <p:ph type="sldImg"/>
+          </p:nvPr>
+        </p:nvSpPr>
+        <p:spPr/>
+      </p:sp>
+      <p:sp>
+        <p:nvSpPr>
+          <p:cNvPr id="3" name="Notes Placeholder 2"/>
+          <p:cNvSpPr>
+            <a:spLocks noGrp="1"/>
+          </p:cNvSpPr>
+          <p:nvPr>
+            <p:ph type="body" idx="1"/>
+          </p:nvPr>
+        </p:nvSpPr>
+        <p:spPr/>
+        <p:txBody>
+          <a:bodyPr/>
+          <a:lstStyle/>
+          <a:p>
+            <a:endParaRPr lang="en-US" dirty="0"/>
+          </a:p>
+        </p:txBody>
+      </p:sp>
+      <p:sp>
+        <p:nvSpPr>
+          <p:cNvPr id="4" name="Slide Number Placeholder 3"/>
+          <p:cNvSpPr>
+            <a:spLocks noGrp="1"/>
+          </p:cNvSpPr>
+          <p:nvPr>
+            <p:ph type="sldNum" sz="quarter" idx="10"/>
+          </p:nvPr>
+        </p:nvSpPr>
+        <p:spPr/>
+        <p:txBody>
+          <a:bodyPr/>
+          <a:lstStyle/>
+          <a:p>
+            <a:fld id="{54E6D594-443D-48F6-AC5A-23804B4481E9}" type="slidenum">
+              <a:rPr lang="en-US" smtClean="0"/>
+              <a:t>7</a:t>
+            </a:fld>
+            <a:endParaRPr lang="en-US"/>
+          </a:p>
+        </p:txBody>
+      </p:sp>
+    </p:spTree>
+    <p:extLst>
+      <p:ext uri="{BB962C8B-B14F-4D97-AF65-F5344CB8AC3E}">
+        <p14:creationId xmlns:p14="http://schemas.microsoft.com/office/powerpoint/2010/main" val="2544504552"/>
+      </p:ext>
+    </p:extLst>
+  </p:cSld>
+  <p:clrMapOvr>
+    <a:masterClrMapping/>
+  </p:clrMapOvr>
+</p:notes>
 </file>
 
 <file path=ppt/slideLayouts/slideLayout1.xml><?xml version="1.0" encoding="utf-8"?>
@@ -3874,6 +4395,26 @@
               </a:rPr>
               <a:t>:</a:t>
             </a:r>
+          </a:p>
+          <a:p>
+            <a:pPr>
+              <a:buFontTx/>
+              <a:buChar char="-"/>
+            </a:pPr>
+            <a:r>
+              <a:rPr lang="en-US" dirty="0" smtClean="0">
+                <a:latin typeface="Times New Roman" panose="02020603050405020304" pitchFamily="18" charset="0"/>
+                <a:cs typeface="Times New Roman" panose="02020603050405020304" pitchFamily="18" charset="0"/>
+              </a:rPr>
+              <a:t>monitor performance: Prometheus + </a:t>
+            </a:r>
+            <a:r>
+              <a:rPr lang="en-US" dirty="0" err="1" smtClean="0">
+                <a:latin typeface="Times New Roman" panose="02020603050405020304" pitchFamily="18" charset="0"/>
+                <a:cs typeface="Times New Roman" panose="02020603050405020304" pitchFamily="18" charset="0"/>
+              </a:rPr>
+              <a:t>Grafana</a:t>
+            </a:r>
             <a:endParaRPr lang="en-US" dirty="0" smtClean="0">
               <a:latin typeface="Times New Roman" panose="02020603050405020304" pitchFamily="18" charset="0"/>
               <a:cs typeface="Times New Roman" panose="02020603050405020304" pitchFamily="18" charset="0"/>
@@ -3885,25 +4426,53 @@
               <a:buChar char="-"/>
             </a:pPr>
             <a:r>
-              <a:rPr lang="en-US" dirty="0" smtClean="0">
-                <a:latin typeface="Times New Roman" panose="02020603050405020304" pitchFamily="18" charset="0"/>
-                <a:cs typeface="Times New Roman" panose="02020603050405020304" pitchFamily="18" charset="0"/>
-              </a:rPr>
-              <a:t>monitor </a:t>
-            </a:r>
-            <a:r>
-              <a:rPr lang="en-US" dirty="0" smtClean="0">
-                <a:latin typeface="Times New Roman" panose="02020603050405020304" pitchFamily="18" charset="0"/>
-                <a:cs typeface="Times New Roman" panose="02020603050405020304" pitchFamily="18" charset="0"/>
-              </a:rPr>
-              <a:t>performance: Prometheus + </a:t>
+              <a:rPr lang="en-US" dirty="0">
+                <a:latin typeface="Times New Roman" panose="02020603050405020304" pitchFamily="18" charset="0"/>
+                <a:cs typeface="Times New Roman" panose="02020603050405020304" pitchFamily="18" charset="0"/>
+              </a:rPr>
+              <a:t>centralized </a:t>
+            </a:r>
+            <a:r>
+              <a:rPr lang="en-US" dirty="0" smtClean="0">
+                <a:latin typeface="Times New Roman" panose="02020603050405020304" pitchFamily="18" charset="0"/>
+                <a:cs typeface="Times New Roman" panose="02020603050405020304" pitchFamily="18" charset="0"/>
+              </a:rPr>
+              <a:t>logging: </a:t>
             </a:r>
             <a:r>
               <a:rPr lang="en-US" dirty="0" err="1" smtClean="0">
                 <a:latin typeface="Times New Roman" panose="02020603050405020304" pitchFamily="18" charset="0"/>
                 <a:cs typeface="Times New Roman" panose="02020603050405020304" pitchFamily="18" charset="0"/>
               </a:rPr>
-              <a:t>Grafana</a:t>
+              <a:t>Logstash</a:t>
+            </a:r>
+            <a:r>
+              <a:rPr lang="en-US" dirty="0" smtClean="0">
+                <a:latin typeface="Times New Roman" panose="02020603050405020304" pitchFamily="18" charset="0"/>
+                <a:cs typeface="Times New Roman" panose="02020603050405020304" pitchFamily="18" charset="0"/>
+              </a:rPr>
+              <a:t>, Beats + </a:t>
+            </a:r>
+            <a:r>
+              <a:rPr lang="en-US" dirty="0" err="1" smtClean="0">
+                <a:latin typeface="Times New Roman" panose="02020603050405020304" pitchFamily="18" charset="0"/>
+                <a:cs typeface="Times New Roman" panose="02020603050405020304" pitchFamily="18" charset="0"/>
+              </a:rPr>
+              <a:t>ElasticSearch</a:t>
+            </a:r>
+            <a:r>
+              <a:rPr lang="en-US" dirty="0" smtClean="0">
+                <a:latin typeface="Times New Roman" panose="02020603050405020304" pitchFamily="18" charset="0"/>
+                <a:cs typeface="Times New Roman" panose="02020603050405020304" pitchFamily="18" charset="0"/>
+              </a:rPr>
+              <a:t> + </a:t>
+            </a:r>
+            <a:r>
+              <a:rPr lang="en-US" dirty="0" err="1" smtClean="0">
+                <a:latin typeface="Times New Roman" panose="02020603050405020304" pitchFamily="18" charset="0"/>
+                <a:cs typeface="Times New Roman" panose="02020603050405020304" pitchFamily="18" charset="0"/>
+              </a:rPr>
+              <a:t>Kibana</a:t>
             </a:r>
             <a:endParaRPr lang="en-US" dirty="0" smtClean="0">
               <a:latin typeface="Times New Roman" panose="02020603050405020304" pitchFamily="18" charset="0"/>
@@ -3916,77 +4485,11 @@
               <a:buChar char="-"/>
             </a:pPr>
             <a:r>
-              <a:rPr lang="en-US" dirty="0">
-                <a:latin typeface="Times New Roman" panose="02020603050405020304" pitchFamily="18" charset="0"/>
-                <a:cs typeface="Times New Roman" panose="02020603050405020304" pitchFamily="18" charset="0"/>
-              </a:rPr>
-              <a:t>centralized </a:t>
-            </a:r>
-            <a:r>
-              <a:rPr lang="en-US" dirty="0" smtClean="0">
-                <a:latin typeface="Times New Roman" panose="02020603050405020304" pitchFamily="18" charset="0"/>
-                <a:cs typeface="Times New Roman" panose="02020603050405020304" pitchFamily="18" charset="0"/>
-              </a:rPr>
-              <a:t>logging: </a:t>
-            </a:r>
-            <a:r>
-              <a:rPr lang="en-US" dirty="0" err="1" smtClean="0">
-                <a:latin typeface="Times New Roman" panose="02020603050405020304" pitchFamily="18" charset="0"/>
-                <a:cs typeface="Times New Roman" panose="02020603050405020304" pitchFamily="18" charset="0"/>
-              </a:rPr>
-              <a:t>Logstash</a:t>
-            </a:r>
-            <a:r>
-              <a:rPr lang="en-US" dirty="0" smtClean="0">
-                <a:latin typeface="Times New Roman" panose="02020603050405020304" pitchFamily="18" charset="0"/>
-                <a:cs typeface="Times New Roman" panose="02020603050405020304" pitchFamily="18" charset="0"/>
-              </a:rPr>
-              <a:t>, Beats + </a:t>
-            </a:r>
-            <a:r>
-              <a:rPr lang="en-US" dirty="0" err="1" smtClean="0">
-                <a:latin typeface="Times New Roman" panose="02020603050405020304" pitchFamily="18" charset="0"/>
-                <a:cs typeface="Times New Roman" panose="02020603050405020304" pitchFamily="18" charset="0"/>
-              </a:rPr>
-              <a:t>ElasticSearch</a:t>
-            </a:r>
-            <a:r>
-              <a:rPr lang="en-US" dirty="0" smtClean="0">
-                <a:latin typeface="Times New Roman" panose="02020603050405020304" pitchFamily="18" charset="0"/>
-                <a:cs typeface="Times New Roman" panose="02020603050405020304" pitchFamily="18" charset="0"/>
-              </a:rPr>
-              <a:t> + </a:t>
-            </a:r>
-            <a:r>
-              <a:rPr lang="en-US" dirty="0" err="1" smtClean="0">
-                <a:latin typeface="Times New Roman" panose="02020603050405020304" pitchFamily="18" charset="0"/>
-                <a:cs typeface="Times New Roman" panose="02020603050405020304" pitchFamily="18" charset="0"/>
-              </a:rPr>
-              <a:t>Kibana</a:t>
-            </a:r>
-            <a:endParaRPr lang="en-US" dirty="0" smtClean="0">
-              <a:latin typeface="Times New Roman" panose="02020603050405020304" pitchFamily="18" charset="0"/>
-              <a:cs typeface="Times New Roman" panose="02020603050405020304" pitchFamily="18" charset="0"/>
-            </a:endParaRPr>
-          </a:p>
-          <a:p>
-            <a:pPr>
-              <a:buFontTx/>
-              <a:buChar char="-"/>
-            </a:pPr>
-            <a:r>
-              <a:rPr lang="en-US" dirty="0" smtClean="0">
-                <a:latin typeface="Times New Roman" panose="02020603050405020304" pitchFamily="18" charset="0"/>
-                <a:cs typeface="Times New Roman" panose="02020603050405020304" pitchFamily="18" charset="0"/>
-              </a:rPr>
-              <a:t>distributed </a:t>
-            </a:r>
-            <a:r>
-              <a:rPr lang="en-US" dirty="0" smtClean="0">
-                <a:latin typeface="Times New Roman" panose="02020603050405020304" pitchFamily="18" charset="0"/>
-                <a:cs typeface="Times New Roman" panose="02020603050405020304" pitchFamily="18" charset="0"/>
-              </a:rPr>
-              <a:t>tracing: </a:t>
+              <a:rPr lang="en-US" dirty="0" smtClean="0">
+                <a:latin typeface="Times New Roman" panose="02020603050405020304" pitchFamily="18" charset="0"/>
+                <a:cs typeface="Times New Roman" panose="02020603050405020304" pitchFamily="18" charset="0"/>
+              </a:rPr>
+              <a:t>distributed tracing: </a:t>
             </a:r>
             <a:r>
               <a:rPr lang="en-US" dirty="0" err="1" smtClean="0">
@@ -4018,7 +4521,7 @@
           <p:nvPr/>
         </p:nvPicPr>
         <p:blipFill>
-          <a:blip r:embed="rId2" cstate="print">
+          <a:blip r:embed="rId3" cstate="print">
             <a:extLst>
               <a:ext uri="{28A0092B-C50C-407E-A947-70E740481C1C}">
                 <a14:useLocalDpi xmlns:a14="http://schemas.microsoft.com/office/drawing/2010/main" val="0"/>
@@ -4059,7 +4562,7 @@
           <p:nvPr/>
         </p:nvPicPr>
         <p:blipFill>
-          <a:blip r:embed="rId3" cstate="print">
+          <a:blip r:embed="rId4" cstate="print">
             <a:extLst>
               <a:ext uri="{28A0092B-C50C-407E-A947-70E740481C1C}">
                 <a14:useLocalDpi xmlns:a14="http://schemas.microsoft.com/office/drawing/2010/main" val="0"/>
@@ -4100,7 +4603,7 @@
           <p:nvPr/>
         </p:nvPicPr>
         <p:blipFill>
-          <a:blip r:embed="rId4" cstate="print">
+          <a:blip r:embed="rId5" cstate="print">
             <a:extLst>
               <a:ext uri="{28A0092B-C50C-407E-A947-70E740481C1C}">
                 <a14:useLocalDpi xmlns:a14="http://schemas.microsoft.com/office/drawing/2010/main" val="0"/>
@@ -4141,7 +4644,7 @@
           <p:nvPr/>
         </p:nvPicPr>
         <p:blipFill>
-          <a:blip r:embed="rId5">
+          <a:blip r:embed="rId6">
             <a:extLst>
               <a:ext uri="{28A0092B-C50C-407E-A947-70E740481C1C}">
                 <a14:useLocalDpi xmlns:a14="http://schemas.microsoft.com/office/drawing/2010/main" val="0"/>
@@ -4173,6 +4676,66 @@
           </a:extLst>
         </p:spPr>
       </p:pic>
+      <p:sp>
+        <p:nvSpPr>
+          <p:cNvPr id="6" name="Rectangle 5"/>
+          <p:cNvSpPr/>
+          <p:nvPr/>
+        </p:nvSpPr>
+        <p:spPr>
+          <a:xfrm>
+            <a:off x="2755456" y="5795325"/>
+            <a:ext cx="11872209" cy="523220"/>
+          </a:xfrm>
+          <a:prstGeom prst="rect">
+            <a:avLst/>
+          </a:prstGeom>
+        </p:spPr>
+        <p:txBody>
+          <a:bodyPr wrap="square">
+            <a:spAutoFit/>
+          </a:bodyPr>
+          <a:lstStyle/>
+          <a:p>
+            <a:r>
+              <a:rPr lang="en-US" sz="1400" dirty="0">
+                <a:hlinkClick r:id="rId7"/>
+              </a:rPr>
+              <a:t>https://</a:t>
+            </a:r>
+            <a:r>
+              <a:rPr lang="en-US" sz="1400" dirty="0" smtClean="0">
+                <a:hlinkClick r:id="rId7"/>
+              </a:rPr>
+              <a:t>shashanksrivastava.medium.com/set-up-a-linux-server-moniatoring-system-using-grafana-prometheus-bb3448f585b8</a:t>
+            </a:r>
+            <a:r>
+              <a:rPr lang="en-US" sz="1400" dirty="0" smtClean="0"/>
+              <a:t> </a:t>
+            </a:r>
+            <a:endParaRPr lang="en-US" sz="1400" dirty="0"/>
+          </a:p>
+          <a:p>
+            <a:r>
+              <a:rPr lang="en-US" sz="1400" dirty="0">
+                <a:hlinkClick r:id="rId8"/>
+              </a:rPr>
+              <a:t>https://medium.com/@</a:t>
+            </a:r>
+            <a:r>
+              <a:rPr lang="en-US" sz="1400" dirty="0" smtClean="0">
+                <a:hlinkClick r:id="rId8"/>
+              </a:rPr>
+              <a:t>maxime.durand.54/monitoring-your-server-with-elastic-stack-7c03601de372</a:t>
+            </a:r>
+            <a:r>
+              <a:rPr lang="en-US" sz="1400" dirty="0" smtClean="0"/>
+              <a:t> </a:t>
+            </a:r>
+            <a:endParaRPr lang="en-US" sz="1400" dirty="0"/>
+          </a:p>
+        </p:txBody>
+      </p:sp>
     </p:spTree>
     <p:extLst>
       <p:ext uri="{BB962C8B-B14F-4D97-AF65-F5344CB8AC3E}">
@@ -4186,9 +4749,80 @@
   <p:timing>
     <p:tnLst>
       <p:par>
-        <p:cTn id="1" dur="indefinite" restart="never" nodeType="tmRoot"/>
+        <p:cTn id="1" dur="indefinite" restart="never" nodeType="tmRoot">
+          <p:childTnLst>
+            <p:seq concurrent="1" nextAc="seek">
+              <p:cTn id="2" dur="indefinite" nodeType="mainSeq">
+                <p:childTnLst>
+                  <p:par>
+                    <p:cTn id="3" fill="hold">
+                      <p:stCondLst>
+                        <p:cond delay="indefinite"/>
+                      </p:stCondLst>
+                      <p:childTnLst>
+                        <p:par>
+                          <p:cTn id="4" fill="hold">
+                            <p:stCondLst>
+                              <p:cond delay="0"/>
+                            </p:stCondLst>
+                            <p:childTnLst>
+                              <p:par>
+                                <p:cTn id="5" presetID="1" presetClass="entr" presetSubtype="0" fill="hold" grpId="0" nodeType="clickEffect">
+                                  <p:stCondLst>
+                                    <p:cond delay="0"/>
+                                  </p:stCondLst>
+                                  <p:childTnLst>
+                                    <p:set>
+                                      <p:cBhvr>
+                                        <p:cTn id="6" dur="1" fill="hold">
+                                          <p:stCondLst>
+                                            <p:cond delay="0"/>
+                                          </p:stCondLst>
+                                        </p:cTn>
+                                        <p:tgtEl>
+                                          <p:spTgt spid="6"/>
+                                        </p:tgtEl>
+                                        <p:attrNameLst>
+                                          <p:attrName>style.visibility</p:attrName>
+                                        </p:attrNameLst>
+                                      </p:cBhvr>
+                                      <p:to>
+                                        <p:strVal val="visible"/>
+                                      </p:to>
+                                    </p:set>
+                                  </p:childTnLst>
+                                </p:cTn>
+                              </p:par>
+                            </p:childTnLst>
+                          </p:cTn>
+                        </p:par>
+                      </p:childTnLst>
+                    </p:cTn>
+                  </p:par>
+                </p:childTnLst>
+              </p:cTn>
+              <p:prevCondLst>
+                <p:cond evt="onPrev" delay="0">
+                  <p:tgtEl>
+                    <p:sldTgt/>
+                  </p:tgtEl>
+                </p:cond>
+              </p:prevCondLst>
+              <p:nextCondLst>
+                <p:cond evt="onNext" delay="0">
+                  <p:tgtEl>
+                    <p:sldTgt/>
+                  </p:tgtEl>
+                </p:cond>
+              </p:nextCondLst>
+            </p:seq>
+          </p:childTnLst>
+        </p:cTn>
       </p:par>
     </p:tnLst>
+    <p:bldLst>
+      <p:bldP spid="6" grpId="0"/>
+    </p:bldLst>
   </p:timing>
 </p:sld>
 </file>
@@ -6691,14 +7325,7 @@
                 <a:latin typeface="Times New Roman" panose="02020603050405020304" pitchFamily="18" charset="0"/>
                 <a:cs typeface="Times New Roman" panose="02020603050405020304" pitchFamily="18" charset="0"/>
               </a:rPr>
-              <a:t> </a:t>
-            </a:r>
-            <a:r>
-              <a:rPr lang="en-US" sz="2000" dirty="0" smtClean="0">
-                <a:latin typeface="Times New Roman" panose="02020603050405020304" pitchFamily="18" charset="0"/>
-                <a:cs typeface="Times New Roman" panose="02020603050405020304" pitchFamily="18" charset="0"/>
-              </a:rPr>
-              <a:t>schedule</a:t>
+              <a:t> schedule</a:t>
             </a:r>
           </a:p>
           <a:p>
@@ -6868,7 +7495,7 @@
           <p:nvPr/>
         </p:nvPicPr>
         <p:blipFill>
-          <a:blip r:embed="rId2">
+          <a:blip r:embed="rId3">
             <a:extLst>
               <a:ext uri="{28A0092B-C50C-407E-A947-70E740481C1C}">
                 <a14:useLocalDpi xmlns:a14="http://schemas.microsoft.com/office/drawing/2010/main" val="0"/>
@@ -7073,13 +7700,13 @@
           <a:p>
             <a:r>
               <a:rPr lang="en-US" sz="1200" dirty="0">
-                <a:hlinkClick r:id="rId3"/>
+                <a:hlinkClick r:id="rId4"/>
               </a:rPr>
               <a:t>https://</a:t>
             </a:r>
             <a:r>
               <a:rPr lang="en-US" sz="1200" dirty="0" smtClean="0">
-                <a:hlinkClick r:id="rId3"/>
+                <a:hlinkClick r:id="rId4"/>
               </a:rPr>
               <a:t>medium.com/swlh/alpine-slim-stretch-buster-jessie-bullseye-bookworm-what-are-the-differences-in-docker-62171ed4531d</a:t>
             </a:r>
@@ -7710,4 +8337,265 @@
     </a:ext>
   </a:extLst>
 </a:theme>
+</file>
+
+<file path=ppt/theme/theme2.xml><?xml version="1.0" encoding="utf-8"?>
+<a:theme xmlns:a="http://schemas.openxmlformats.org/drawingml/2006/main" name="Office Theme">
+  <a:themeElements>
+    <a:clrScheme name="Office">
+      <a:dk1>
+        <a:sysClr val="windowText" lastClr="000000"/>
+      </a:dk1>
+      <a:lt1>
+        <a:sysClr val="window" lastClr="FFFFFF"/>
+      </a:lt1>
+      <a:dk2>
+        <a:srgbClr val="44546A"/>
+      </a:dk2>
+      <a:lt2>
+        <a:srgbClr val="E7E6E6"/>
+      </a:lt2>
+      <a:accent1>
+        <a:srgbClr val="5B9BD5"/>
+      </a:accent1>
+      <a:accent2>
+        <a:srgbClr val="ED7D31"/>
+      </a:accent2>
+      <a:accent3>
+        <a:srgbClr val="A5A5A5"/>
+      </a:accent3>
+      <a:accent4>
+        <a:srgbClr val="FFC000"/>
+      </a:accent4>
+      <a:accent5>
+        <a:srgbClr val="4472C4"/>
+      </a:accent5>
+      <a:accent6>
+        <a:srgbClr val="70AD47"/>
+      </a:accent6>
+      <a:hlink>
+        <a:srgbClr val="0563C1"/>
+      </a:hlink>
+      <a:folHlink>
+        <a:srgbClr val="954F72"/>
+      </a:folHlink>
+    </a:clrScheme>
+    <a:fontScheme name="Office">
+      <a:majorFont>
+        <a:latin typeface="Calibri Light" panose="020F0302020204030204"/>
+        <a:ea typeface=""/>
+        <a:cs typeface=""/>
+        <a:font script="Jpan" typeface="游ゴシック Light"/>
+        <a:font script="Hang" typeface="맑은 고딕"/>
+        <a:font script="Hans" typeface="等线 Light"/>
+        <a:font script="Hant" typeface="新細明體"/>
+        <a:font script="Arab" typeface="Times New Roman"/>
+        <a:font script="Hebr" typeface="Times New Roman"/>
+        <a:font script="Thai" typeface="Angsana New"/>
+        <a:font script="Ethi" typeface="Nyala"/>
+        <a:font script="Beng" typeface="Vrinda"/>
+        <a:font script="Gujr" typeface="Shruti"/>
+        <a:font script="Khmr" typeface="MoolBoran"/>
+        <a:font script="Knda" typeface="Tunga"/>
+        <a:font script="Guru" typeface="Raavi"/>
+        <a:font script="Cans" typeface="Euphemia"/>
+        <a:font script="Cher" typeface="Plantagenet Cherokee"/>
+        <a:font script="Yiii" typeface="Microsoft Yi Baiti"/>
+        <a:font script="Tibt" typeface="Microsoft Himalaya"/>
+        <a:font script="Thaa" typeface="MV Boli"/>
+        <a:font script="Deva" typeface="Mangal"/>
+        <a:font script="Telu" typeface="Gautami"/>
+        <a:font script="Taml" typeface="Latha"/>
+        <a:font script="Syrc" typeface="Estrangelo Edessa"/>
+        <a:font script="Orya" typeface="Kalinga"/>
+        <a:font script="Mlym" typeface="Kartika"/>
+        <a:font script="Laoo" typeface="DokChampa"/>
+        <a:font script="Sinh" typeface="Iskoola Pota"/>
+        <a:font script="Mong" typeface="Mongolian Baiti"/>
+        <a:font script="Viet" typeface="Times New Roman"/>
+        <a:font script="Uigh" typeface="Microsoft Uighur"/>
+        <a:font script="Geor" typeface="Sylfaen"/>
+      </a:majorFont>
+      <a:minorFont>
+        <a:latin typeface="Calibri" panose="020F0502020204030204"/>
+        <a:ea typeface=""/>
+        <a:cs typeface=""/>
+        <a:font script="Jpan" typeface="游ゴシック"/>
+        <a:font script="Hang" typeface="맑은 고딕"/>
+        <a:font script="Hans" typeface="等线"/>
+        <a:font script="Hant" typeface="新細明體"/>
+        <a:font script="Arab" typeface="Arial"/>
+        <a:font script="Hebr" typeface="Arial"/>
+        <a:font script="Thai" typeface="Cordia New"/>
+        <a:font script="Ethi" typeface="Nyala"/>
+        <a:font script="Beng" typeface="Vrinda"/>
+        <a:font script="Gujr" typeface="Shruti"/>
+        <a:font script="Khmr" typeface="DaunPenh"/>
+        <a:font script="Knda" typeface="Tunga"/>
+        <a:font script="Guru" typeface="Raavi"/>
+        <a:font script="Cans" typeface="Euphemia"/>
+        <a:font script="Cher" typeface="Plantagenet Cherokee"/>
+        <a:font script="Yiii" typeface="Microsoft Yi Baiti"/>
+        <a:font script="Tibt" typeface="Microsoft Himalaya"/>
+        <a:font script="Thaa" typeface="MV Boli"/>
+        <a:font script="Deva" typeface="Mangal"/>
+        <a:font script="Telu" typeface="Gautami"/>
+        <a:font script="Taml" typeface="Latha"/>
+        <a:font script="Syrc" typeface="Estrangelo Edessa"/>
+        <a:font script="Orya" typeface="Kalinga"/>
+        <a:font script="Mlym" typeface="Kartika"/>
+        <a:font script="Laoo" typeface="DokChampa"/>
+        <a:font script="Sinh" typeface="Iskoola Pota"/>
+        <a:font script="Mong" typeface="Mongolian Baiti"/>
+        <a:font script="Viet" typeface="Arial"/>
+        <a:font script="Uigh" typeface="Microsoft Uighur"/>
+        <a:font script="Geor" typeface="Sylfaen"/>
+      </a:minorFont>
+    </a:fontScheme>
+    <a:fmtScheme name="Office">
+      <a:fillStyleLst>
+        <a:solidFill>
+          <a:schemeClr val="phClr"/>
+        </a:solidFill>
+        <a:gradFill rotWithShape="1">
+          <a:gsLst>
+            <a:gs pos="0">
+              <a:schemeClr val="phClr">
+                <a:lumMod val="110000"/>
+                <a:satMod val="105000"/>
+                <a:tint val="67000"/>
+              </a:schemeClr>
+            </a:gs>
+            <a:gs pos="50000">
+              <a:schemeClr val="phClr">
+                <a:lumMod val="105000"/>
+                <a:satMod val="103000"/>
+                <a:tint val="73000"/>
+              </a:schemeClr>
+            </a:gs>
+            <a:gs pos="100000">
+              <a:schemeClr val="phClr">
+                <a:lumMod val="105000"/>
+                <a:satMod val="109000"/>
+                <a:tint val="81000"/>
+              </a:schemeClr>
+            </a:gs>
+          </a:gsLst>
+          <a:lin ang="5400000" scaled="0"/>
+        </a:gradFill>
+        <a:gradFill rotWithShape="1">
+          <a:gsLst>
+            <a:gs pos="0">
+              <a:schemeClr val="phClr">
+                <a:satMod val="103000"/>
+                <a:lumMod val="102000"/>
+                <a:tint val="94000"/>
+              </a:schemeClr>
+            </a:gs>
+            <a:gs pos="50000">
+              <a:schemeClr val="phClr">
+                <a:satMod val="110000"/>
+                <a:lumMod val="100000"/>
+                <a:shade val="100000"/>
+              </a:schemeClr>
+            </a:gs>
+            <a:gs pos="100000">
+              <a:schemeClr val="phClr">
+                <a:lumMod val="99000"/>
+                <a:satMod val="120000"/>
+                <a:shade val="78000"/>
+              </a:schemeClr>
+            </a:gs>
+          </a:gsLst>
+          <a:lin ang="5400000" scaled="0"/>
+        </a:gradFill>
+      </a:fillStyleLst>
+      <a:lnStyleLst>
+        <a:ln w="6350" cap="flat" cmpd="sng" algn="ctr">
+          <a:solidFill>
+            <a:schemeClr val="phClr"/>
+          </a:solidFill>
+          <a:prstDash val="solid"/>
+          <a:miter lim="800000"/>
+        </a:ln>
+        <a:ln w="12700" cap="flat" cmpd="sng" algn="ctr">
+          <a:solidFill>
+            <a:schemeClr val="phClr"/>
+          </a:solidFill>
+          <a:prstDash val="solid"/>
+          <a:miter lim="800000"/>
+        </a:ln>
+        <a:ln w="19050" cap="flat" cmpd="sng" algn="ctr">
+          <a:solidFill>
+            <a:schemeClr val="phClr"/>
+          </a:solidFill>
+          <a:prstDash val="solid"/>
+          <a:miter lim="800000"/>
+        </a:ln>
+      </a:lnStyleLst>
+      <a:effectStyleLst>
+        <a:effectStyle>
+          <a:effectLst/>
+        </a:effectStyle>
+        <a:effectStyle>
+          <a:effectLst/>
+        </a:effectStyle>
+        <a:effectStyle>
+          <a:effectLst>
+            <a:outerShdw blurRad="57150" dist="19050" dir="5400000" algn="ctr" rotWithShape="0">
+              <a:srgbClr val="000000">
+                <a:alpha val="63000"/>
+              </a:srgbClr>
+            </a:outerShdw>
+          </a:effectLst>
+        </a:effectStyle>
+      </a:effectStyleLst>
+      <a:bgFillStyleLst>
+        <a:solidFill>
+          <a:schemeClr val="phClr"/>
+        </a:solidFill>
+        <a:solidFill>
+          <a:schemeClr val="phClr">
+            <a:tint val="95000"/>
+            <a:satMod val="170000"/>
+          </a:schemeClr>
+        </a:solidFill>
+        <a:gradFill rotWithShape="1">
+          <a:gsLst>
+            <a:gs pos="0">
+              <a:schemeClr val="phClr">
+                <a:tint val="93000"/>
+                <a:satMod val="150000"/>
+                <a:shade val="98000"/>
+                <a:lumMod val="102000"/>
+              </a:schemeClr>
+            </a:gs>
+            <a:gs pos="50000">
+              <a:schemeClr val="phClr">
+                <a:tint val="98000"/>
+                <a:satMod val="130000"/>
+                <a:shade val="90000"/>
+                <a:lumMod val="103000"/>
+              </a:schemeClr>
+            </a:gs>
+            <a:gs pos="100000">
+              <a:schemeClr val="phClr">
+                <a:shade val="63000"/>
+                <a:satMod val="120000"/>
+              </a:schemeClr>
+            </a:gs>
+          </a:gsLst>
+          <a:lin ang="5400000" scaled="0"/>
+        </a:gradFill>
+      </a:bgFillStyleLst>
+    </a:fmtScheme>
+  </a:themeElements>
+  <a:objectDefaults/>
+  <a:extraClrSchemeLst/>
+  <a:extLst>
+    <a:ext uri="{05A4C25C-085E-4340-85A3-A5531E510DB2}">
+      <thm15:themeFamily xmlns:thm15="http://schemas.microsoft.com/office/thememl/2012/main" name="Office Theme" id="{62F939B6-93AF-4DB8-9C6B-D6C7DFDC589F}" vid="{4A3C46E8-61CC-4603-A589-7422A47A8E4A}"/>
+    </a:ext>
+  </a:extLst>
+</a:theme>
 </file>